--- a/IT002-OOP/Slide thực hành/Lab 1. BasicCplusplus.pptx
+++ b/IT002-OOP/Slide thực hành/Lab 1. BasicCplusplus.pptx
@@ -5,7 +5,7 @@
     <p:sldMasterId id="2147483648" r:id="rId1"/>
   </p:sldMasterIdLst>
   <p:notesMasterIdLst>
-    <p:notesMasterId r:id="rId13"/>
+    <p:notesMasterId r:id="rId10"/>
   </p:notesMasterIdLst>
   <p:sldIdLst>
     <p:sldId id="269" r:id="rId2"/>
@@ -15,10 +15,7 @@
     <p:sldId id="256" r:id="rId6"/>
     <p:sldId id="267" r:id="rId7"/>
     <p:sldId id="257" r:id="rId8"/>
-    <p:sldId id="258" r:id="rId9"/>
-    <p:sldId id="263" r:id="rId10"/>
-    <p:sldId id="264" r:id="rId11"/>
-    <p:sldId id="271" r:id="rId12"/>
+    <p:sldId id="271" r:id="rId9"/>
   </p:sldIdLst>
   <p:sldSz cx="12192000" cy="6858000"/>
   <p:notesSz cx="6858000" cy="9144000"/>
@@ -206,7 +203,7 @@
           </a:lstStyle>
           <a:p>
             <a:fld id="{D58EBEF0-1929-6C4C-9D10-0A24CA585262}" type="datetimeFigureOut">
-              <a:t>11/06/2023</a:t>
+              <a:t>29/01/2026</a:t>
             </a:fld>
             <a:endParaRPr lang="en-VN"/>
           </a:p>
@@ -601,7 +598,7 @@
           <a:lstStyle/>
           <a:p>
             <a:fld id="{0DDB0C27-5CC0-AE4B-A9B6-1C1A8F15976E}" type="datetime1">
-              <a:t>11/06/2023</a:t>
+              <a:t>29/01/2026</a:t>
             </a:fld>
             <a:endParaRPr lang="en-US"/>
           </a:p>
@@ -768,7 +765,7 @@
           <a:lstStyle/>
           <a:p>
             <a:fld id="{A1AB976C-5E89-BE46-B6A2-18E033DC7B7F}" type="datetime1">
-              <a:t>11/06/2023</a:t>
+              <a:t>29/01/2026</a:t>
             </a:fld>
             <a:endParaRPr lang="en-US"/>
           </a:p>
@@ -945,7 +942,7 @@
           <a:lstStyle/>
           <a:p>
             <a:fld id="{D3EB9961-F7AC-F442-9DA7-5C044E83E8F0}" type="datetime1">
-              <a:t>11/06/2023</a:t>
+              <a:t>29/01/2026</a:t>
             </a:fld>
             <a:endParaRPr lang="en-US"/>
           </a:p>
@@ -1112,7 +1109,7 @@
           <a:lstStyle/>
           <a:p>
             <a:fld id="{2BC5C2EC-D52B-4E49-9BD2-7F34EF2A2110}" type="datetime1">
-              <a:t>11/06/2023</a:t>
+              <a:t>29/01/2026</a:t>
             </a:fld>
             <a:endParaRPr lang="en-US"/>
           </a:p>
@@ -1356,7 +1353,7 @@
           <a:lstStyle/>
           <a:p>
             <a:fld id="{2E689BA2-5EDF-204F-BDB5-47A63D89879F}" type="datetime1">
-              <a:t>11/06/2023</a:t>
+              <a:t>29/01/2026</a:t>
             </a:fld>
             <a:endParaRPr lang="en-US"/>
           </a:p>
@@ -1584,7 +1581,7 @@
           <a:lstStyle/>
           <a:p>
             <a:fld id="{C71BC0A1-3625-D949-894B-12A4B1103545}" type="datetime1">
-              <a:t>11/06/2023</a:t>
+              <a:t>29/01/2026</a:t>
             </a:fld>
             <a:endParaRPr lang="en-US"/>
           </a:p>
@@ -1947,7 +1944,7 @@
           <a:lstStyle/>
           <a:p>
             <a:fld id="{631AF034-057E-7E42-A703-A16CE37858B1}" type="datetime1">
-              <a:t>11/06/2023</a:t>
+              <a:t>29/01/2026</a:t>
             </a:fld>
             <a:endParaRPr lang="en-US"/>
           </a:p>
@@ -2063,7 +2060,7 @@
           <a:lstStyle/>
           <a:p>
             <a:fld id="{6C312224-5262-0D45-8752-AD88DF7DF160}" type="datetime1">
-              <a:t>11/06/2023</a:t>
+              <a:t>29/01/2026</a:t>
             </a:fld>
             <a:endParaRPr lang="en-US"/>
           </a:p>
@@ -2157,7 +2154,7 @@
           <a:lstStyle/>
           <a:p>
             <a:fld id="{186C3894-04D4-E046-8AC0-98EC70D1D50C}" type="datetime1">
-              <a:t>11/06/2023</a:t>
+              <a:t>29/01/2026</a:t>
             </a:fld>
             <a:endParaRPr lang="en-US"/>
           </a:p>
@@ -2431,7 +2428,7 @@
           <a:lstStyle/>
           <a:p>
             <a:fld id="{BD6227EF-D3E1-B74B-97FE-FE43DF3D709B}" type="datetime1">
-              <a:t>11/06/2023</a:t>
+              <a:t>29/01/2026</a:t>
             </a:fld>
             <a:endParaRPr lang="en-US"/>
           </a:p>
@@ -2682,7 +2679,7 @@
           <a:lstStyle/>
           <a:p>
             <a:fld id="{1A1BECCB-56EF-1541-9CBC-CE4FC0155FEE}" type="datetime1">
-              <a:t>11/06/2023</a:t>
+              <a:t>29/01/2026</a:t>
             </a:fld>
             <a:endParaRPr lang="en-US"/>
           </a:p>
@@ -2892,7 +2889,7 @@
           </a:lstStyle>
           <a:p>
             <a:fld id="{0DFD353B-B5AB-CF4C-8D9F-51BDAFC66301}" type="datetime1">
-              <a:t>11/06/2023</a:t>
+              <a:t>29/01/2026</a:t>
             </a:fld>
             <a:endParaRPr lang="en-US"/>
           </a:p>
@@ -3497,970 +3494,6 @@
 </p:sld>
 </file>
 
-<file path=ppt/slides/slide10.xml><?xml version="1.0" encoding="utf-8"?>
-<p:sld xmlns:a="http://schemas.openxmlformats.org/drawingml/2006/main" xmlns:r="http://schemas.openxmlformats.org/officeDocument/2006/relationships" xmlns:p="http://schemas.openxmlformats.org/presentationml/2006/main">
-  <p:cSld>
-    <p:spTree>
-      <p:nvGrpSpPr>
-        <p:cNvPr id="1" name=""/>
-        <p:cNvGrpSpPr/>
-        <p:nvPr/>
-      </p:nvGrpSpPr>
-      <p:grpSpPr>
-        <a:xfrm>
-          <a:off x="0" y="0"/>
-          <a:ext cx="0" cy="0"/>
-          <a:chOff x="0" y="0"/>
-          <a:chExt cx="0" cy="0"/>
-        </a:xfrm>
-      </p:grpSpPr>
-      <p:sp>
-        <p:nvSpPr>
-          <p:cNvPr id="2" name="Title 1"/>
-          <p:cNvSpPr>
-            <a:spLocks noGrp="1"/>
-          </p:cNvSpPr>
-          <p:nvPr>
-            <p:ph type="title"/>
-          </p:nvPr>
-        </p:nvSpPr>
-        <p:spPr/>
-        <p:txBody>
-          <a:bodyPr/>
-          <a:lstStyle/>
-          <a:p>
-            <a:r>
-              <a:rPr lang="en-US"/>
-              <a:t>1.3. Tham chiếu &amp; Tham trị</a:t>
-            </a:r>
-          </a:p>
-        </p:txBody>
-      </p:sp>
-      <p:sp>
-        <p:nvSpPr>
-          <p:cNvPr id="3" name="Content Placeholder 2"/>
-          <p:cNvSpPr>
-            <a:spLocks noGrp="1"/>
-          </p:cNvSpPr>
-          <p:nvPr>
-            <p:ph idx="1"/>
-          </p:nvPr>
-        </p:nvSpPr>
-        <p:spPr>
-          <a:xfrm>
-            <a:off x="968828" y="1825625"/>
-            <a:ext cx="7260772" cy="747758"/>
-          </a:xfrm>
-        </p:spPr>
-        <p:txBody>
-          <a:bodyPr>
-            <a:normAutofit/>
-          </a:bodyPr>
-          <a:lstStyle/>
-          <a:p>
-            <a:pPr marL="0" indent="0">
-              <a:buNone/>
-            </a:pPr>
-            <a:r>
-              <a:rPr lang="en-US"/>
-              <a:t>Deep copy (tham chiếu)</a:t>
-            </a:r>
-          </a:p>
-        </p:txBody>
-      </p:sp>
-      <p:graphicFrame>
-        <p:nvGraphicFramePr>
-          <p:cNvPr id="4" name="Table 3"/>
-          <p:cNvGraphicFramePr>
-            <a:graphicFrameLocks noGrp="1"/>
-          </p:cNvGraphicFramePr>
-          <p:nvPr>
-            <p:extLst>
-              <p:ext uri="{D42A27DB-BD31-4B8C-83A1-F6EECF244321}">
-                <p14:modId xmlns:p14="http://schemas.microsoft.com/office/powerpoint/2010/main" val="1742721913"/>
-              </p:ext>
-            </p:extLst>
-          </p:nvPr>
-        </p:nvGraphicFramePr>
-        <p:xfrm>
-          <a:off x="968828" y="2888774"/>
-          <a:ext cx="1709057" cy="1463040"/>
-        </p:xfrm>
-        <a:graphic>
-          <a:graphicData uri="http://schemas.openxmlformats.org/drawingml/2006/table">
-            <a:tbl>
-              <a:tblPr>
-                <a:tableStyleId>{5C22544A-7EE6-4342-B048-85BDC9FD1C3A}</a:tableStyleId>
-              </a:tblPr>
-              <a:tblGrid>
-                <a:gridCol w="1709057">
-                  <a:extLst>
-                    <a:ext uri="{9D8B030D-6E8A-4147-A177-3AD203B41FA5}">
-                      <a16:colId xmlns:a16="http://schemas.microsoft.com/office/drawing/2014/main" val="1234399600"/>
-                    </a:ext>
-                  </a:extLst>
-                </a:gridCol>
-              </a:tblGrid>
-              <a:tr h="370840">
-                <a:tc>
-                  <a:txBody>
-                    <a:bodyPr/>
-                    <a:lstStyle/>
-                    <a:p>
-                      <a:r>
-                        <a:rPr lang="en-US" sz="2600"/>
-                        <a:t>int a</a:t>
-                      </a:r>
-                    </a:p>
-                  </a:txBody>
-                  <a:tcPr>
-                    <a:lnL w="12700" cap="flat" cmpd="sng" algn="ctr">
-                      <a:solidFill>
-                        <a:schemeClr val="tx1"/>
-                      </a:solidFill>
-                      <a:prstDash val="solid"/>
-                      <a:round/>
-                      <a:headEnd type="none" w="med" len="med"/>
-                      <a:tailEnd type="none" w="med" len="med"/>
-                    </a:lnL>
-                    <a:lnR w="12700" cap="flat" cmpd="sng" algn="ctr">
-                      <a:solidFill>
-                        <a:schemeClr val="tx1"/>
-                      </a:solidFill>
-                      <a:prstDash val="solid"/>
-                      <a:round/>
-                      <a:headEnd type="none" w="med" len="med"/>
-                      <a:tailEnd type="none" w="med" len="med"/>
-                    </a:lnR>
-                    <a:lnT w="12700" cap="flat" cmpd="sng" algn="ctr">
-                      <a:solidFill>
-                        <a:schemeClr val="tx1"/>
-                      </a:solidFill>
-                      <a:prstDash val="solid"/>
-                      <a:round/>
-                      <a:headEnd type="none" w="med" len="med"/>
-                      <a:tailEnd type="none" w="med" len="med"/>
-                    </a:lnT>
-                    <a:lnB w="12700" cap="flat" cmpd="sng" algn="ctr">
-                      <a:solidFill>
-                        <a:schemeClr val="tx1"/>
-                      </a:solidFill>
-                      <a:prstDash val="solid"/>
-                      <a:round/>
-                      <a:headEnd type="none" w="med" len="med"/>
-                      <a:tailEnd type="none" w="med" len="med"/>
-                    </a:lnB>
-                    <a:solidFill>
-                      <a:schemeClr val="bg1"/>
-                    </a:solidFill>
-                  </a:tcPr>
-                </a:tc>
-                <a:extLst>
-                  <a:ext uri="{0D108BD9-81ED-4DB2-BD59-A6C34878D82A}">
-                    <a16:rowId xmlns:a16="http://schemas.microsoft.com/office/drawing/2014/main" val="140790062"/>
-                  </a:ext>
-                </a:extLst>
-              </a:tr>
-              <a:tr h="370840">
-                <a:tc>
-                  <a:txBody>
-                    <a:bodyPr/>
-                    <a:lstStyle/>
-                    <a:p>
-                      <a:r>
-                        <a:rPr lang="en-US" sz="2600"/>
-                        <a:t>int &amp;b</a:t>
-                      </a:r>
-                    </a:p>
-                  </a:txBody>
-                  <a:tcPr>
-                    <a:lnL w="12700" cap="flat" cmpd="sng" algn="ctr">
-                      <a:solidFill>
-                        <a:schemeClr val="tx1"/>
-                      </a:solidFill>
-                      <a:prstDash val="solid"/>
-                      <a:round/>
-                      <a:headEnd type="none" w="med" len="med"/>
-                      <a:tailEnd type="none" w="med" len="med"/>
-                    </a:lnL>
-                    <a:lnR w="12700" cap="flat" cmpd="sng" algn="ctr">
-                      <a:solidFill>
-                        <a:schemeClr val="tx1"/>
-                      </a:solidFill>
-                      <a:prstDash val="solid"/>
-                      <a:round/>
-                      <a:headEnd type="none" w="med" len="med"/>
-                      <a:tailEnd type="none" w="med" len="med"/>
-                    </a:lnR>
-                    <a:lnT w="12700" cap="flat" cmpd="sng" algn="ctr">
-                      <a:solidFill>
-                        <a:schemeClr val="tx1"/>
-                      </a:solidFill>
-                      <a:prstDash val="solid"/>
-                      <a:round/>
-                      <a:headEnd type="none" w="med" len="med"/>
-                      <a:tailEnd type="none" w="med" len="med"/>
-                    </a:lnT>
-                    <a:lnB w="12700" cap="flat" cmpd="sng" algn="ctr">
-                      <a:solidFill>
-                        <a:schemeClr val="tx1"/>
-                      </a:solidFill>
-                      <a:prstDash val="solid"/>
-                      <a:round/>
-                      <a:headEnd type="none" w="med" len="med"/>
-                      <a:tailEnd type="none" w="med" len="med"/>
-                    </a:lnB>
-                    <a:solidFill>
-                      <a:schemeClr val="bg1"/>
-                    </a:solidFill>
-                  </a:tcPr>
-                </a:tc>
-                <a:extLst>
-                  <a:ext uri="{0D108BD9-81ED-4DB2-BD59-A6C34878D82A}">
-                    <a16:rowId xmlns:a16="http://schemas.microsoft.com/office/drawing/2014/main" val="2051485560"/>
-                  </a:ext>
-                </a:extLst>
-              </a:tr>
-              <a:tr h="370840">
-                <a:tc>
-                  <a:txBody>
-                    <a:bodyPr/>
-                    <a:lstStyle/>
-                    <a:p>
-                      <a:r>
-                        <a:rPr lang="en-US" sz="2600" b="1"/>
-                        <a:t>RAM</a:t>
-                      </a:r>
-                    </a:p>
-                  </a:txBody>
-                  <a:tcPr>
-                    <a:lnL w="12700" cap="flat" cmpd="sng" algn="ctr">
-                      <a:solidFill>
-                        <a:schemeClr val="tx1"/>
-                      </a:solidFill>
-                      <a:prstDash val="solid"/>
-                      <a:round/>
-                      <a:headEnd type="none" w="med" len="med"/>
-                      <a:tailEnd type="none" w="med" len="med"/>
-                    </a:lnL>
-                    <a:lnR w="12700" cap="flat" cmpd="sng" algn="ctr">
-                      <a:solidFill>
-                        <a:schemeClr val="tx1"/>
-                      </a:solidFill>
-                      <a:prstDash val="solid"/>
-                      <a:round/>
-                      <a:headEnd type="none" w="med" len="med"/>
-                      <a:tailEnd type="none" w="med" len="med"/>
-                    </a:lnR>
-                    <a:lnT w="12700" cap="flat" cmpd="sng" algn="ctr">
-                      <a:solidFill>
-                        <a:schemeClr val="tx1"/>
-                      </a:solidFill>
-                      <a:prstDash val="solid"/>
-                      <a:round/>
-                      <a:headEnd type="none" w="med" len="med"/>
-                      <a:tailEnd type="none" w="med" len="med"/>
-                    </a:lnT>
-                    <a:lnB w="12700" cap="flat" cmpd="sng" algn="ctr">
-                      <a:solidFill>
-                        <a:schemeClr val="tx1"/>
-                      </a:solidFill>
-                      <a:prstDash val="solid"/>
-                      <a:round/>
-                      <a:headEnd type="none" w="med" len="med"/>
-                      <a:tailEnd type="none" w="med" len="med"/>
-                    </a:lnB>
-                    <a:solidFill>
-                      <a:schemeClr val="bg1"/>
-                    </a:solidFill>
-                  </a:tcPr>
-                </a:tc>
-                <a:extLst>
-                  <a:ext uri="{0D108BD9-81ED-4DB2-BD59-A6C34878D82A}">
-                    <a16:rowId xmlns:a16="http://schemas.microsoft.com/office/drawing/2014/main" val="3385658485"/>
-                  </a:ext>
-                </a:extLst>
-              </a:tr>
-            </a:tbl>
-          </a:graphicData>
-        </a:graphic>
-      </p:graphicFrame>
-      <p:graphicFrame>
-        <p:nvGraphicFramePr>
-          <p:cNvPr id="5" name="Table 4"/>
-          <p:cNvGraphicFramePr>
-            <a:graphicFrameLocks noGrp="1"/>
-          </p:cNvGraphicFramePr>
-          <p:nvPr>
-            <p:extLst>
-              <p:ext uri="{D42A27DB-BD31-4B8C-83A1-F6EECF244321}">
-                <p14:modId xmlns:p14="http://schemas.microsoft.com/office/powerpoint/2010/main" val="182732867"/>
-              </p:ext>
-            </p:extLst>
-          </p:nvPr>
-        </p:nvGraphicFramePr>
-        <p:xfrm>
-          <a:off x="4687388" y="2888774"/>
-          <a:ext cx="1709057" cy="1463040"/>
-        </p:xfrm>
-        <a:graphic>
-          <a:graphicData uri="http://schemas.openxmlformats.org/drawingml/2006/table">
-            <a:tbl>
-              <a:tblPr>
-                <a:tableStyleId>{5C22544A-7EE6-4342-B048-85BDC9FD1C3A}</a:tableStyleId>
-              </a:tblPr>
-              <a:tblGrid>
-                <a:gridCol w="1709057">
-                  <a:extLst>
-                    <a:ext uri="{9D8B030D-6E8A-4147-A177-3AD203B41FA5}">
-                      <a16:colId xmlns:a16="http://schemas.microsoft.com/office/drawing/2014/main" val="1234399600"/>
-                    </a:ext>
-                  </a:extLst>
-                </a:gridCol>
-              </a:tblGrid>
-              <a:tr h="370840">
-                <a:tc>
-                  <a:txBody>
-                    <a:bodyPr/>
-                    <a:lstStyle/>
-                    <a:p>
-                      <a:r>
-                        <a:rPr lang="en-US" sz="2600"/>
-                        <a:t>5</a:t>
-                      </a:r>
-                    </a:p>
-                  </a:txBody>
-                  <a:tcPr>
-                    <a:lnL w="12700" cap="flat" cmpd="sng" algn="ctr">
-                      <a:solidFill>
-                        <a:schemeClr val="tx1"/>
-                      </a:solidFill>
-                      <a:prstDash val="solid"/>
-                      <a:round/>
-                      <a:headEnd type="none" w="med" len="med"/>
-                      <a:tailEnd type="none" w="med" len="med"/>
-                    </a:lnL>
-                    <a:lnR w="12700" cap="flat" cmpd="sng" algn="ctr">
-                      <a:solidFill>
-                        <a:schemeClr val="tx1"/>
-                      </a:solidFill>
-                      <a:prstDash val="solid"/>
-                      <a:round/>
-                      <a:headEnd type="none" w="med" len="med"/>
-                      <a:tailEnd type="none" w="med" len="med"/>
-                    </a:lnR>
-                    <a:lnT w="12700" cap="flat" cmpd="sng" algn="ctr">
-                      <a:solidFill>
-                        <a:schemeClr val="tx1"/>
-                      </a:solidFill>
-                      <a:prstDash val="solid"/>
-                      <a:round/>
-                      <a:headEnd type="none" w="med" len="med"/>
-                      <a:tailEnd type="none" w="med" len="med"/>
-                    </a:lnT>
-                    <a:lnB w="12700" cap="flat" cmpd="sng" algn="ctr">
-                      <a:solidFill>
-                        <a:schemeClr val="tx1"/>
-                      </a:solidFill>
-                      <a:prstDash val="solid"/>
-                      <a:round/>
-                      <a:headEnd type="none" w="med" len="med"/>
-                      <a:tailEnd type="none" w="med" len="med"/>
-                    </a:lnB>
-                    <a:solidFill>
-                      <a:schemeClr val="bg1"/>
-                    </a:solidFill>
-                  </a:tcPr>
-                </a:tc>
-                <a:extLst>
-                  <a:ext uri="{0D108BD9-81ED-4DB2-BD59-A6C34878D82A}">
-                    <a16:rowId xmlns:a16="http://schemas.microsoft.com/office/drawing/2014/main" val="140790062"/>
-                  </a:ext>
-                </a:extLst>
-              </a:tr>
-              <a:tr h="370840">
-                <a:tc>
-                  <a:txBody>
-                    <a:bodyPr/>
-                    <a:lstStyle/>
-                    <a:p>
-                      <a:r>
-                        <a:rPr lang="en-US" sz="2600"/>
-                        <a:t>…</a:t>
-                      </a:r>
-                    </a:p>
-                  </a:txBody>
-                  <a:tcPr>
-                    <a:lnL w="12700" cap="flat" cmpd="sng" algn="ctr">
-                      <a:solidFill>
-                        <a:schemeClr val="tx1"/>
-                      </a:solidFill>
-                      <a:prstDash val="solid"/>
-                      <a:round/>
-                      <a:headEnd type="none" w="med" len="med"/>
-                      <a:tailEnd type="none" w="med" len="med"/>
-                    </a:lnL>
-                    <a:lnR w="12700" cap="flat" cmpd="sng" algn="ctr">
-                      <a:solidFill>
-                        <a:schemeClr val="tx1"/>
-                      </a:solidFill>
-                      <a:prstDash val="solid"/>
-                      <a:round/>
-                      <a:headEnd type="none" w="med" len="med"/>
-                      <a:tailEnd type="none" w="med" len="med"/>
-                    </a:lnR>
-                    <a:lnT w="12700" cap="flat" cmpd="sng" algn="ctr">
-                      <a:solidFill>
-                        <a:schemeClr val="tx1"/>
-                      </a:solidFill>
-                      <a:prstDash val="solid"/>
-                      <a:round/>
-                      <a:headEnd type="none" w="med" len="med"/>
-                      <a:tailEnd type="none" w="med" len="med"/>
-                    </a:lnT>
-                    <a:lnB w="12700" cap="flat" cmpd="sng" algn="ctr">
-                      <a:solidFill>
-                        <a:schemeClr val="tx1"/>
-                      </a:solidFill>
-                      <a:prstDash val="solid"/>
-                      <a:round/>
-                      <a:headEnd type="none" w="med" len="med"/>
-                      <a:tailEnd type="none" w="med" len="med"/>
-                    </a:lnB>
-                    <a:solidFill>
-                      <a:schemeClr val="bg1"/>
-                    </a:solidFill>
-                  </a:tcPr>
-                </a:tc>
-                <a:extLst>
-                  <a:ext uri="{0D108BD9-81ED-4DB2-BD59-A6C34878D82A}">
-                    <a16:rowId xmlns:a16="http://schemas.microsoft.com/office/drawing/2014/main" val="2051485560"/>
-                  </a:ext>
-                </a:extLst>
-              </a:tr>
-              <a:tr h="370840">
-                <a:tc>
-                  <a:txBody>
-                    <a:bodyPr/>
-                    <a:lstStyle/>
-                    <a:p>
-                      <a:r>
-                        <a:rPr lang="en-US" sz="2600" b="1"/>
-                        <a:t>RAM</a:t>
-                      </a:r>
-                    </a:p>
-                  </a:txBody>
-                  <a:tcPr>
-                    <a:lnL w="12700" cap="flat" cmpd="sng" algn="ctr">
-                      <a:solidFill>
-                        <a:schemeClr val="tx1"/>
-                      </a:solidFill>
-                      <a:prstDash val="solid"/>
-                      <a:round/>
-                      <a:headEnd type="none" w="med" len="med"/>
-                      <a:tailEnd type="none" w="med" len="med"/>
-                    </a:lnL>
-                    <a:lnR w="12700" cap="flat" cmpd="sng" algn="ctr">
-                      <a:solidFill>
-                        <a:schemeClr val="tx1"/>
-                      </a:solidFill>
-                      <a:prstDash val="solid"/>
-                      <a:round/>
-                      <a:headEnd type="none" w="med" len="med"/>
-                      <a:tailEnd type="none" w="med" len="med"/>
-                    </a:lnR>
-                    <a:lnT w="12700" cap="flat" cmpd="sng" algn="ctr">
-                      <a:solidFill>
-                        <a:schemeClr val="tx1"/>
-                      </a:solidFill>
-                      <a:prstDash val="solid"/>
-                      <a:round/>
-                      <a:headEnd type="none" w="med" len="med"/>
-                      <a:tailEnd type="none" w="med" len="med"/>
-                    </a:lnT>
-                    <a:lnB w="12700" cap="flat" cmpd="sng" algn="ctr">
-                      <a:solidFill>
-                        <a:schemeClr val="tx1"/>
-                      </a:solidFill>
-                      <a:prstDash val="solid"/>
-                      <a:round/>
-                      <a:headEnd type="none" w="med" len="med"/>
-                      <a:tailEnd type="none" w="med" len="med"/>
-                    </a:lnB>
-                    <a:solidFill>
-                      <a:schemeClr val="bg1"/>
-                    </a:solidFill>
-                  </a:tcPr>
-                </a:tc>
-                <a:extLst>
-                  <a:ext uri="{0D108BD9-81ED-4DB2-BD59-A6C34878D82A}">
-                    <a16:rowId xmlns:a16="http://schemas.microsoft.com/office/drawing/2014/main" val="3385658485"/>
-                  </a:ext>
-                </a:extLst>
-              </a:tr>
-            </a:tbl>
-          </a:graphicData>
-        </a:graphic>
-      </p:graphicFrame>
-      <p:cxnSp>
-        <p:nvCxnSpPr>
-          <p:cNvPr id="19" name="Straight Arrow Connector 18"/>
-          <p:cNvCxnSpPr/>
-          <p:nvPr/>
-        </p:nvCxnSpPr>
-        <p:spPr>
-          <a:xfrm>
-            <a:off x="2677885" y="3135086"/>
-            <a:ext cx="2009503" cy="0"/>
-          </a:xfrm>
-          <a:prstGeom prst="straightConnector1">
-            <a:avLst/>
-          </a:prstGeom>
-          <a:ln w="38100">
-            <a:solidFill>
-              <a:schemeClr val="tx1"/>
-            </a:solidFill>
-            <a:tailEnd type="triangle"/>
-          </a:ln>
-        </p:spPr>
-        <p:style>
-          <a:lnRef idx="1">
-            <a:schemeClr val="accent1"/>
-          </a:lnRef>
-          <a:fillRef idx="0">
-            <a:schemeClr val="accent1"/>
-          </a:fillRef>
-          <a:effectRef idx="0">
-            <a:schemeClr val="accent1"/>
-          </a:effectRef>
-          <a:fontRef idx="minor">
-            <a:schemeClr val="tx1"/>
-          </a:fontRef>
-        </p:style>
-      </p:cxnSp>
-      <p:sp>
-        <p:nvSpPr>
-          <p:cNvPr id="31" name="Content Placeholder 2"/>
-          <p:cNvSpPr txBox="1">
-            <a:spLocks/>
-          </p:cNvSpPr>
-          <p:nvPr/>
-        </p:nvSpPr>
-        <p:spPr>
-          <a:xfrm>
-            <a:off x="968828" y="4976213"/>
-            <a:ext cx="7260772" cy="1411524"/>
-          </a:xfrm>
-          <a:prstGeom prst="rect">
-            <a:avLst/>
-          </a:prstGeom>
-        </p:spPr>
-        <p:txBody>
-          <a:bodyPr vert="horz" lIns="91440" tIns="45720" rIns="91440" bIns="45720" rtlCol="0">
-            <a:normAutofit/>
-          </a:bodyPr>
-          <a:lstStyle>
-            <a:lvl1pPr marL="228600" indent="-228600" algn="l" defTabSz="914400" rtl="0" eaLnBrk="1" latinLnBrk="0" hangingPunct="1">
-              <a:lnSpc>
-                <a:spcPct val="90000"/>
-              </a:lnSpc>
-              <a:spcBef>
-                <a:spcPts val="1000"/>
-              </a:spcBef>
-              <a:buFont typeface="Arial" panose="020B0604020202020204" pitchFamily="34" charset="0"/>
-              <a:buChar char="•"/>
-              <a:defRPr sz="2800" kern="1200">
-                <a:solidFill>
-                  <a:schemeClr val="tx1"/>
-                </a:solidFill>
-                <a:latin typeface="+mn-lt"/>
-                <a:ea typeface="+mn-ea"/>
-                <a:cs typeface="+mn-cs"/>
-              </a:defRPr>
-            </a:lvl1pPr>
-            <a:lvl2pPr marL="685800" indent="-228600" algn="l" defTabSz="914400" rtl="0" eaLnBrk="1" latinLnBrk="0" hangingPunct="1">
-              <a:lnSpc>
-                <a:spcPct val="90000"/>
-              </a:lnSpc>
-              <a:spcBef>
-                <a:spcPts val="500"/>
-              </a:spcBef>
-              <a:buFont typeface="Arial" panose="020B0604020202020204" pitchFamily="34" charset="0"/>
-              <a:buChar char="•"/>
-              <a:defRPr sz="2400" kern="1200">
-                <a:solidFill>
-                  <a:schemeClr val="tx1"/>
-                </a:solidFill>
-                <a:latin typeface="+mn-lt"/>
-                <a:ea typeface="+mn-ea"/>
-                <a:cs typeface="+mn-cs"/>
-              </a:defRPr>
-            </a:lvl2pPr>
-            <a:lvl3pPr marL="1143000" indent="-228600" algn="l" defTabSz="914400" rtl="0" eaLnBrk="1" latinLnBrk="0" hangingPunct="1">
-              <a:lnSpc>
-                <a:spcPct val="90000"/>
-              </a:lnSpc>
-              <a:spcBef>
-                <a:spcPts val="500"/>
-              </a:spcBef>
-              <a:buFont typeface="Arial" panose="020B0604020202020204" pitchFamily="34" charset="0"/>
-              <a:buChar char="•"/>
-              <a:defRPr sz="2000" kern="1200">
-                <a:solidFill>
-                  <a:schemeClr val="tx1"/>
-                </a:solidFill>
-                <a:latin typeface="+mn-lt"/>
-                <a:ea typeface="+mn-ea"/>
-                <a:cs typeface="+mn-cs"/>
-              </a:defRPr>
-            </a:lvl3pPr>
-            <a:lvl4pPr marL="1600200" indent="-228600" algn="l" defTabSz="914400" rtl="0" eaLnBrk="1" latinLnBrk="0" hangingPunct="1">
-              <a:lnSpc>
-                <a:spcPct val="90000"/>
-              </a:lnSpc>
-              <a:spcBef>
-                <a:spcPts val="500"/>
-              </a:spcBef>
-              <a:buFont typeface="Arial" panose="020B0604020202020204" pitchFamily="34" charset="0"/>
-              <a:buChar char="•"/>
-              <a:defRPr sz="1800" kern="1200">
-                <a:solidFill>
-                  <a:schemeClr val="tx1"/>
-                </a:solidFill>
-                <a:latin typeface="+mn-lt"/>
-                <a:ea typeface="+mn-ea"/>
-                <a:cs typeface="+mn-cs"/>
-              </a:defRPr>
-            </a:lvl4pPr>
-            <a:lvl5pPr marL="2057400" indent="-228600" algn="l" defTabSz="914400" rtl="0" eaLnBrk="1" latinLnBrk="0" hangingPunct="1">
-              <a:lnSpc>
-                <a:spcPct val="90000"/>
-              </a:lnSpc>
-              <a:spcBef>
-                <a:spcPts val="500"/>
-              </a:spcBef>
-              <a:buFont typeface="Arial" panose="020B0604020202020204" pitchFamily="34" charset="0"/>
-              <a:buChar char="•"/>
-              <a:defRPr sz="1800" kern="1200">
-                <a:solidFill>
-                  <a:schemeClr val="tx1"/>
-                </a:solidFill>
-                <a:latin typeface="+mn-lt"/>
-                <a:ea typeface="+mn-ea"/>
-                <a:cs typeface="+mn-cs"/>
-              </a:defRPr>
-            </a:lvl5pPr>
-            <a:lvl6pPr marL="2514600" indent="-228600" algn="l" defTabSz="914400" rtl="0" eaLnBrk="1" latinLnBrk="0" hangingPunct="1">
-              <a:lnSpc>
-                <a:spcPct val="90000"/>
-              </a:lnSpc>
-              <a:spcBef>
-                <a:spcPts val="500"/>
-              </a:spcBef>
-              <a:buFont typeface="Arial" panose="020B0604020202020204" pitchFamily="34" charset="0"/>
-              <a:buChar char="•"/>
-              <a:defRPr sz="1800" kern="1200">
-                <a:solidFill>
-                  <a:schemeClr val="tx1"/>
-                </a:solidFill>
-                <a:latin typeface="+mn-lt"/>
-                <a:ea typeface="+mn-ea"/>
-                <a:cs typeface="+mn-cs"/>
-              </a:defRPr>
-            </a:lvl6pPr>
-            <a:lvl7pPr marL="2971800" indent="-228600" algn="l" defTabSz="914400" rtl="0" eaLnBrk="1" latinLnBrk="0" hangingPunct="1">
-              <a:lnSpc>
-                <a:spcPct val="90000"/>
-              </a:lnSpc>
-              <a:spcBef>
-                <a:spcPts val="500"/>
-              </a:spcBef>
-              <a:buFont typeface="Arial" panose="020B0604020202020204" pitchFamily="34" charset="0"/>
-              <a:buChar char="•"/>
-              <a:defRPr sz="1800" kern="1200">
-                <a:solidFill>
-                  <a:schemeClr val="tx1"/>
-                </a:solidFill>
-                <a:latin typeface="+mn-lt"/>
-                <a:ea typeface="+mn-ea"/>
-                <a:cs typeface="+mn-cs"/>
-              </a:defRPr>
-            </a:lvl7pPr>
-            <a:lvl8pPr marL="3429000" indent="-228600" algn="l" defTabSz="914400" rtl="0" eaLnBrk="1" latinLnBrk="0" hangingPunct="1">
-              <a:lnSpc>
-                <a:spcPct val="90000"/>
-              </a:lnSpc>
-              <a:spcBef>
-                <a:spcPts val="500"/>
-              </a:spcBef>
-              <a:buFont typeface="Arial" panose="020B0604020202020204" pitchFamily="34" charset="0"/>
-              <a:buChar char="•"/>
-              <a:defRPr sz="1800" kern="1200">
-                <a:solidFill>
-                  <a:schemeClr val="tx1"/>
-                </a:solidFill>
-                <a:latin typeface="+mn-lt"/>
-                <a:ea typeface="+mn-ea"/>
-                <a:cs typeface="+mn-cs"/>
-              </a:defRPr>
-            </a:lvl8pPr>
-            <a:lvl9pPr marL="3886200" indent="-228600" algn="l" defTabSz="914400" rtl="0" eaLnBrk="1" latinLnBrk="0" hangingPunct="1">
-              <a:lnSpc>
-                <a:spcPct val="90000"/>
-              </a:lnSpc>
-              <a:spcBef>
-                <a:spcPts val="500"/>
-              </a:spcBef>
-              <a:buFont typeface="Arial" panose="020B0604020202020204" pitchFamily="34" charset="0"/>
-              <a:buChar char="•"/>
-              <a:defRPr sz="1800" kern="1200">
-                <a:solidFill>
-                  <a:schemeClr val="tx1"/>
-                </a:solidFill>
-                <a:latin typeface="+mn-lt"/>
-                <a:ea typeface="+mn-ea"/>
-                <a:cs typeface="+mn-cs"/>
-              </a:defRPr>
-            </a:lvl9pPr>
-          </a:lstStyle>
-          <a:p>
-            <a:pPr marL="0" indent="0">
-              <a:buFont typeface="Arial" panose="020B0604020202020204" pitchFamily="34" charset="0"/>
-              <a:buNone/>
-            </a:pPr>
-            <a:r>
-              <a:rPr lang="en-US"/>
-              <a:t>int a = 5;</a:t>
-            </a:r>
-          </a:p>
-          <a:p>
-            <a:pPr marL="0" indent="0">
-              <a:buFont typeface="Arial" panose="020B0604020202020204" pitchFamily="34" charset="0"/>
-              <a:buNone/>
-            </a:pPr>
-            <a:r>
-              <a:rPr lang="en-US"/>
-              <a:t>int &amp;b = a;</a:t>
-            </a:r>
-          </a:p>
-        </p:txBody>
-      </p:sp>
-      <p:cxnSp>
-        <p:nvCxnSpPr>
-          <p:cNvPr id="14" name="Straight Arrow Connector 13"/>
-          <p:cNvCxnSpPr>
-            <a:stCxn id="4" idx="3"/>
-          </p:cNvCxnSpPr>
-          <p:nvPr/>
-        </p:nvCxnSpPr>
-        <p:spPr>
-          <a:xfrm flipV="1">
-            <a:off x="2677885" y="3262652"/>
-            <a:ext cx="2009503" cy="357642"/>
-          </a:xfrm>
-          <a:prstGeom prst="straightConnector1">
-            <a:avLst/>
-          </a:prstGeom>
-          <a:ln w="38100">
-            <a:solidFill>
-              <a:schemeClr val="tx1"/>
-            </a:solidFill>
-            <a:tailEnd type="triangle"/>
-          </a:ln>
-        </p:spPr>
-        <p:style>
-          <a:lnRef idx="1">
-            <a:schemeClr val="accent1"/>
-          </a:lnRef>
-          <a:fillRef idx="0">
-            <a:schemeClr val="accent1"/>
-          </a:fillRef>
-          <a:effectRef idx="0">
-            <a:schemeClr val="accent1"/>
-          </a:effectRef>
-          <a:fontRef idx="minor">
-            <a:schemeClr val="tx1"/>
-          </a:fontRef>
-        </p:style>
-      </p:cxnSp>
-      <p:sp>
-        <p:nvSpPr>
-          <p:cNvPr id="6" name="Slide Number Placeholder 5">
-            <a:extLst>
-              <a:ext uri="{FF2B5EF4-FFF2-40B4-BE49-F238E27FC236}">
-                <a16:creationId xmlns:a16="http://schemas.microsoft.com/office/drawing/2014/main" id="{017EDD38-BB96-7263-F901-63271DCF20EE}"/>
-              </a:ext>
-            </a:extLst>
-          </p:cNvPr>
-          <p:cNvSpPr>
-            <a:spLocks noGrp="1"/>
-          </p:cNvSpPr>
-          <p:nvPr>
-            <p:ph type="sldNum" sz="quarter" idx="12"/>
-          </p:nvPr>
-        </p:nvSpPr>
-        <p:spPr/>
-        <p:txBody>
-          <a:bodyPr/>
-          <a:lstStyle/>
-          <a:p>
-            <a:fld id="{9D563E13-6253-4AA0-BAE6-80A963751161}" type="slidenum">
-              <a:rPr lang="en-US" smtClean="0"/>
-              <a:t>10</a:t>
-            </a:fld>
-            <a:endParaRPr lang="en-US"/>
-          </a:p>
-        </p:txBody>
-      </p:sp>
-    </p:spTree>
-    <p:extLst>
-      <p:ext uri="{BB962C8B-B14F-4D97-AF65-F5344CB8AC3E}">
-        <p14:creationId xmlns:p14="http://schemas.microsoft.com/office/powerpoint/2010/main" val="2900171510"/>
-      </p:ext>
-    </p:extLst>
-  </p:cSld>
-  <p:clrMapOvr>
-    <a:masterClrMapping/>
-  </p:clrMapOvr>
-</p:sld>
-</file>
-
-<file path=ppt/slides/slide11.xml><?xml version="1.0" encoding="utf-8"?>
-<p:sld xmlns:a="http://schemas.openxmlformats.org/drawingml/2006/main" xmlns:r="http://schemas.openxmlformats.org/officeDocument/2006/relationships" xmlns:p="http://schemas.openxmlformats.org/presentationml/2006/main">
-  <p:cSld>
-    <p:spTree>
-      <p:nvGrpSpPr>
-        <p:cNvPr id="1" name=""/>
-        <p:cNvGrpSpPr/>
-        <p:nvPr/>
-      </p:nvGrpSpPr>
-      <p:grpSpPr>
-        <a:xfrm>
-          <a:off x="0" y="0"/>
-          <a:ext cx="0" cy="0"/>
-          <a:chOff x="0" y="0"/>
-          <a:chExt cx="0" cy="0"/>
-        </a:xfrm>
-      </p:grpSpPr>
-      <p:sp>
-        <p:nvSpPr>
-          <p:cNvPr id="2" name="Title 1">
-            <a:extLst>
-              <a:ext uri="{FF2B5EF4-FFF2-40B4-BE49-F238E27FC236}">
-                <a16:creationId xmlns:a16="http://schemas.microsoft.com/office/drawing/2014/main" id="{67D3186F-ACA5-2CDC-07A3-119704A9ACFA}"/>
-              </a:ext>
-            </a:extLst>
-          </p:cNvPr>
-          <p:cNvSpPr>
-            <a:spLocks noGrp="1"/>
-          </p:cNvSpPr>
-          <p:nvPr>
-            <p:ph type="title"/>
-          </p:nvPr>
-        </p:nvSpPr>
-        <p:spPr/>
-        <p:txBody>
-          <a:bodyPr/>
-          <a:lstStyle/>
-          <a:p>
-            <a:r>
-              <a:rPr lang="en-VN"/>
-              <a:t>1.4. Một số mẹo hữu ích</a:t>
-            </a:r>
-          </a:p>
-        </p:txBody>
-      </p:sp>
-      <p:sp>
-        <p:nvSpPr>
-          <p:cNvPr id="3" name="Content Placeholder 2">
-            <a:extLst>
-              <a:ext uri="{FF2B5EF4-FFF2-40B4-BE49-F238E27FC236}">
-                <a16:creationId xmlns:a16="http://schemas.microsoft.com/office/drawing/2014/main" id="{04C32ADA-8D2E-7714-C5A9-ED45B77311B2}"/>
-              </a:ext>
-            </a:extLst>
-          </p:cNvPr>
-          <p:cNvSpPr>
-            <a:spLocks noGrp="1"/>
-          </p:cNvSpPr>
-          <p:nvPr>
-            <p:ph idx="1"/>
-          </p:nvPr>
-        </p:nvSpPr>
-        <p:spPr/>
-        <p:txBody>
-          <a:bodyPr/>
-          <a:lstStyle/>
-          <a:p>
-            <a:pPr marL="0" indent="0">
-              <a:buNone/>
-            </a:pPr>
-            <a:r>
-              <a:rPr lang="en-VN"/>
-              <a:t>+ Từ khoá auto.</a:t>
-            </a:r>
-          </a:p>
-          <a:p>
-            <a:pPr marL="0" indent="0">
-              <a:buNone/>
-            </a:pPr>
-            <a:r>
-              <a:rPr lang="en-VN"/>
-              <a:t>+ Đối tượng vector&lt;&gt; để tạo kiểu dữ liệu 1 chiều, hoặc vector&lt;vector&lt;&gt;&gt; để tạo kiểu dữ liệu 2 chiều.</a:t>
-            </a:r>
-          </a:p>
-          <a:p>
-            <a:pPr marL="0" indent="0">
-              <a:buNone/>
-            </a:pPr>
-            <a:r>
-              <a:rPr lang="en-VN"/>
-              <a:t>+ CTDL stack, queue, tree, hashmap, …</a:t>
-            </a:r>
-          </a:p>
-        </p:txBody>
-      </p:sp>
-      <p:sp>
-        <p:nvSpPr>
-          <p:cNvPr id="4" name="Slide Number Placeholder 3">
-            <a:extLst>
-              <a:ext uri="{FF2B5EF4-FFF2-40B4-BE49-F238E27FC236}">
-                <a16:creationId xmlns:a16="http://schemas.microsoft.com/office/drawing/2014/main" id="{CE27A83D-8964-2019-7D8B-8AD866667413}"/>
-              </a:ext>
-            </a:extLst>
-          </p:cNvPr>
-          <p:cNvSpPr>
-            <a:spLocks noGrp="1"/>
-          </p:cNvSpPr>
-          <p:nvPr>
-            <p:ph type="sldNum" sz="quarter" idx="12"/>
-          </p:nvPr>
-        </p:nvSpPr>
-        <p:spPr/>
-        <p:txBody>
-          <a:bodyPr/>
-          <a:lstStyle/>
-          <a:p>
-            <a:fld id="{9D563E13-6253-4AA0-BAE6-80A963751161}" type="slidenum">
-              <a:rPr lang="en-US" smtClean="0"/>
-              <a:t>11</a:t>
-            </a:fld>
-            <a:endParaRPr lang="en-US"/>
-          </a:p>
-        </p:txBody>
-      </p:sp>
-    </p:spTree>
-    <p:extLst>
-      <p:ext uri="{BB962C8B-B14F-4D97-AF65-F5344CB8AC3E}">
-        <p14:creationId xmlns:p14="http://schemas.microsoft.com/office/powerpoint/2010/main" val="3112299850"/>
-      </p:ext>
-    </p:extLst>
-  </p:cSld>
-  <p:clrMapOvr>
-    <a:masterClrMapping/>
-  </p:clrMapOvr>
-</p:sld>
-</file>
-
 <file path=ppt/slides/slide2.xml><?xml version="1.0" encoding="utf-8"?>
 <p:sld xmlns:a="http://schemas.openxmlformats.org/drawingml/2006/main" xmlns:r="http://schemas.openxmlformats.org/officeDocument/2006/relationships" xmlns:p="http://schemas.openxmlformats.org/presentationml/2006/main">
   <p:cSld>
@@ -8020,7 +7053,13 @@
       </p:grpSpPr>
       <p:sp>
         <p:nvSpPr>
-          <p:cNvPr id="2" name="Title 1"/>
+          <p:cNvPr id="2" name="Title 1">
+            <a:extLst>
+              <a:ext uri="{FF2B5EF4-FFF2-40B4-BE49-F238E27FC236}">
+                <a16:creationId xmlns:a16="http://schemas.microsoft.com/office/drawing/2014/main" id="{67D3186F-ACA5-2CDC-07A3-119704A9ACFA}"/>
+              </a:ext>
+            </a:extLst>
+          </p:cNvPr>
           <p:cNvSpPr>
             <a:spLocks noGrp="1"/>
           </p:cNvSpPr>
@@ -8034,15 +7073,21 @@
           <a:lstStyle/>
           <a:p>
             <a:r>
-              <a:rPr lang="en-US"/>
-              <a:t>1.2. Tham chiếu &amp; Tham trị</a:t>
-            </a:r>
-          </a:p>
-        </p:txBody>
-      </p:sp>
-      <p:sp>
-        <p:nvSpPr>
-          <p:cNvPr id="3" name="Content Placeholder 2"/>
+              <a:rPr lang="en-VN"/>
+              <a:t>1.4. Một số mẹo hữu ích</a:t>
+            </a:r>
+          </a:p>
+        </p:txBody>
+      </p:sp>
+      <p:sp>
+        <p:nvSpPr>
+          <p:cNvPr id="3" name="Content Placeholder 2">
+            <a:extLst>
+              <a:ext uri="{FF2B5EF4-FFF2-40B4-BE49-F238E27FC236}">
+                <a16:creationId xmlns:a16="http://schemas.microsoft.com/office/drawing/2014/main" id="{04C32ADA-8D2E-7714-C5A9-ED45B77311B2}"/>
+              </a:ext>
+            </a:extLst>
+          </p:cNvPr>
           <p:cNvSpPr>
             <a:spLocks noGrp="1"/>
           </p:cNvSpPr>
@@ -8050,1245 +7095,45 @@
             <p:ph idx="1"/>
           </p:nvPr>
         </p:nvSpPr>
-        <p:spPr>
-          <a:xfrm>
-            <a:off x="968828" y="1825625"/>
-            <a:ext cx="7260772" cy="747758"/>
-          </a:xfrm>
-        </p:spPr>
-        <p:txBody>
-          <a:bodyPr>
-            <a:normAutofit/>
-          </a:bodyPr>
+        <p:spPr/>
+        <p:txBody>
+          <a:bodyPr/>
           <a:lstStyle/>
           <a:p>
             <a:pPr marL="0" indent="0">
               <a:buNone/>
             </a:pPr>
             <a:r>
-              <a:rPr lang="en-US"/>
-              <a:t>Quá trình khởi tạo một biến</a:t>
-            </a:r>
-          </a:p>
-        </p:txBody>
-      </p:sp>
-      <p:graphicFrame>
-        <p:nvGraphicFramePr>
-          <p:cNvPr id="4" name="Table 3"/>
-          <p:cNvGraphicFramePr>
-            <a:graphicFrameLocks noGrp="1"/>
-          </p:cNvGraphicFramePr>
-          <p:nvPr>
-            <p:extLst>
-              <p:ext uri="{D42A27DB-BD31-4B8C-83A1-F6EECF244321}">
-                <p14:modId xmlns:p14="http://schemas.microsoft.com/office/powerpoint/2010/main" val="1843251927"/>
-              </p:ext>
-            </p:extLst>
-          </p:nvPr>
-        </p:nvGraphicFramePr>
-        <p:xfrm>
-          <a:off x="968828" y="2888774"/>
-          <a:ext cx="1709057" cy="1463040"/>
-        </p:xfrm>
-        <a:graphic>
-          <a:graphicData uri="http://schemas.openxmlformats.org/drawingml/2006/table">
-            <a:tbl>
-              <a:tblPr>
-                <a:tableStyleId>{5C22544A-7EE6-4342-B048-85BDC9FD1C3A}</a:tableStyleId>
-              </a:tblPr>
-              <a:tblGrid>
-                <a:gridCol w="1709057">
-                  <a:extLst>
-                    <a:ext uri="{9D8B030D-6E8A-4147-A177-3AD203B41FA5}">
-                      <a16:colId xmlns:a16="http://schemas.microsoft.com/office/drawing/2014/main" val="1234399600"/>
-                    </a:ext>
-                  </a:extLst>
-                </a:gridCol>
-              </a:tblGrid>
-              <a:tr h="370840">
-                <a:tc>
-                  <a:txBody>
-                    <a:bodyPr/>
-                    <a:lstStyle/>
-                    <a:p>
-                      <a:r>
-                        <a:rPr lang="en-US" sz="2600"/>
-                        <a:t>int a</a:t>
-                      </a:r>
-                    </a:p>
-                  </a:txBody>
-                  <a:tcPr>
-                    <a:lnL w="12700" cap="flat" cmpd="sng" algn="ctr">
-                      <a:solidFill>
-                        <a:schemeClr val="tx1"/>
-                      </a:solidFill>
-                      <a:prstDash val="solid"/>
-                      <a:round/>
-                      <a:headEnd type="none" w="med" len="med"/>
-                      <a:tailEnd type="none" w="med" len="med"/>
-                    </a:lnL>
-                    <a:lnR w="12700" cap="flat" cmpd="sng" algn="ctr">
-                      <a:solidFill>
-                        <a:schemeClr val="tx1"/>
-                      </a:solidFill>
-                      <a:prstDash val="solid"/>
-                      <a:round/>
-                      <a:headEnd type="none" w="med" len="med"/>
-                      <a:tailEnd type="none" w="med" len="med"/>
-                    </a:lnR>
-                    <a:lnT w="12700" cap="flat" cmpd="sng" algn="ctr">
-                      <a:solidFill>
-                        <a:schemeClr val="tx1"/>
-                      </a:solidFill>
-                      <a:prstDash val="solid"/>
-                      <a:round/>
-                      <a:headEnd type="none" w="med" len="med"/>
-                      <a:tailEnd type="none" w="med" len="med"/>
-                    </a:lnT>
-                    <a:lnB w="12700" cap="flat" cmpd="sng" algn="ctr">
-                      <a:solidFill>
-                        <a:schemeClr val="tx1"/>
-                      </a:solidFill>
-                      <a:prstDash val="solid"/>
-                      <a:round/>
-                      <a:headEnd type="none" w="med" len="med"/>
-                      <a:tailEnd type="none" w="med" len="med"/>
-                    </a:lnB>
-                    <a:solidFill>
-                      <a:schemeClr val="bg1"/>
-                    </a:solidFill>
-                  </a:tcPr>
-                </a:tc>
-                <a:extLst>
-                  <a:ext uri="{0D108BD9-81ED-4DB2-BD59-A6C34878D82A}">
-                    <a16:rowId xmlns:a16="http://schemas.microsoft.com/office/drawing/2014/main" val="140790062"/>
-                  </a:ext>
-                </a:extLst>
-              </a:tr>
-              <a:tr h="370840">
-                <a:tc>
-                  <a:txBody>
-                    <a:bodyPr/>
-                    <a:lstStyle/>
-                    <a:p>
-                      <a:r>
-                        <a:rPr lang="en-US" sz="2600"/>
-                        <a:t>Int b</a:t>
-                      </a:r>
-                    </a:p>
-                  </a:txBody>
-                  <a:tcPr>
-                    <a:lnL w="12700" cap="flat" cmpd="sng" algn="ctr">
-                      <a:solidFill>
-                        <a:schemeClr val="tx1"/>
-                      </a:solidFill>
-                      <a:prstDash val="solid"/>
-                      <a:round/>
-                      <a:headEnd type="none" w="med" len="med"/>
-                      <a:tailEnd type="none" w="med" len="med"/>
-                    </a:lnL>
-                    <a:lnR w="12700" cap="flat" cmpd="sng" algn="ctr">
-                      <a:solidFill>
-                        <a:schemeClr val="tx1"/>
-                      </a:solidFill>
-                      <a:prstDash val="solid"/>
-                      <a:round/>
-                      <a:headEnd type="none" w="med" len="med"/>
-                      <a:tailEnd type="none" w="med" len="med"/>
-                    </a:lnR>
-                    <a:lnT w="12700" cap="flat" cmpd="sng" algn="ctr">
-                      <a:solidFill>
-                        <a:schemeClr val="tx1"/>
-                      </a:solidFill>
-                      <a:prstDash val="solid"/>
-                      <a:round/>
-                      <a:headEnd type="none" w="med" len="med"/>
-                      <a:tailEnd type="none" w="med" len="med"/>
-                    </a:lnT>
-                    <a:lnB w="12700" cap="flat" cmpd="sng" algn="ctr">
-                      <a:solidFill>
-                        <a:schemeClr val="tx1"/>
-                      </a:solidFill>
-                      <a:prstDash val="solid"/>
-                      <a:round/>
-                      <a:headEnd type="none" w="med" len="med"/>
-                      <a:tailEnd type="none" w="med" len="med"/>
-                    </a:lnB>
-                    <a:solidFill>
-                      <a:schemeClr val="bg1"/>
-                    </a:solidFill>
-                  </a:tcPr>
-                </a:tc>
-                <a:extLst>
-                  <a:ext uri="{0D108BD9-81ED-4DB2-BD59-A6C34878D82A}">
-                    <a16:rowId xmlns:a16="http://schemas.microsoft.com/office/drawing/2014/main" val="2051485560"/>
-                  </a:ext>
-                </a:extLst>
-              </a:tr>
-              <a:tr h="370840">
-                <a:tc>
-                  <a:txBody>
-                    <a:bodyPr/>
-                    <a:lstStyle/>
-                    <a:p>
-                      <a:r>
-                        <a:rPr lang="en-US" sz="2600" b="1"/>
-                        <a:t>RAM</a:t>
-                      </a:r>
-                    </a:p>
-                  </a:txBody>
-                  <a:tcPr>
-                    <a:lnL w="12700" cap="flat" cmpd="sng" algn="ctr">
-                      <a:solidFill>
-                        <a:schemeClr val="tx1"/>
-                      </a:solidFill>
-                      <a:prstDash val="solid"/>
-                      <a:round/>
-                      <a:headEnd type="none" w="med" len="med"/>
-                      <a:tailEnd type="none" w="med" len="med"/>
-                    </a:lnL>
-                    <a:lnR w="12700" cap="flat" cmpd="sng" algn="ctr">
-                      <a:solidFill>
-                        <a:schemeClr val="tx1"/>
-                      </a:solidFill>
-                      <a:prstDash val="solid"/>
-                      <a:round/>
-                      <a:headEnd type="none" w="med" len="med"/>
-                      <a:tailEnd type="none" w="med" len="med"/>
-                    </a:lnR>
-                    <a:lnT w="12700" cap="flat" cmpd="sng" algn="ctr">
-                      <a:solidFill>
-                        <a:schemeClr val="tx1"/>
-                      </a:solidFill>
-                      <a:prstDash val="solid"/>
-                      <a:round/>
-                      <a:headEnd type="none" w="med" len="med"/>
-                      <a:tailEnd type="none" w="med" len="med"/>
-                    </a:lnT>
-                    <a:lnB w="12700" cap="flat" cmpd="sng" algn="ctr">
-                      <a:solidFill>
-                        <a:schemeClr val="tx1"/>
-                      </a:solidFill>
-                      <a:prstDash val="solid"/>
-                      <a:round/>
-                      <a:headEnd type="none" w="med" len="med"/>
-                      <a:tailEnd type="none" w="med" len="med"/>
-                    </a:lnB>
-                    <a:solidFill>
-                      <a:schemeClr val="bg1"/>
-                    </a:solidFill>
-                  </a:tcPr>
-                </a:tc>
-                <a:extLst>
-                  <a:ext uri="{0D108BD9-81ED-4DB2-BD59-A6C34878D82A}">
-                    <a16:rowId xmlns:a16="http://schemas.microsoft.com/office/drawing/2014/main" val="3385658485"/>
-                  </a:ext>
-                </a:extLst>
-              </a:tr>
-            </a:tbl>
-          </a:graphicData>
-        </a:graphic>
-      </p:graphicFrame>
-      <p:graphicFrame>
-        <p:nvGraphicFramePr>
-          <p:cNvPr id="5" name="Table 4"/>
-          <p:cNvGraphicFramePr>
-            <a:graphicFrameLocks noGrp="1"/>
-          </p:cNvGraphicFramePr>
-          <p:nvPr>
-            <p:extLst>
-              <p:ext uri="{D42A27DB-BD31-4B8C-83A1-F6EECF244321}">
-                <p14:modId xmlns:p14="http://schemas.microsoft.com/office/powerpoint/2010/main" val="315181619"/>
-              </p:ext>
-            </p:extLst>
-          </p:nvPr>
-        </p:nvGraphicFramePr>
-        <p:xfrm>
-          <a:off x="4687388" y="2888774"/>
-          <a:ext cx="1709057" cy="1463040"/>
-        </p:xfrm>
-        <a:graphic>
-          <a:graphicData uri="http://schemas.openxmlformats.org/drawingml/2006/table">
-            <a:tbl>
-              <a:tblPr>
-                <a:tableStyleId>{5C22544A-7EE6-4342-B048-85BDC9FD1C3A}</a:tableStyleId>
-              </a:tblPr>
-              <a:tblGrid>
-                <a:gridCol w="1709057">
-                  <a:extLst>
-                    <a:ext uri="{9D8B030D-6E8A-4147-A177-3AD203B41FA5}">
-                      <a16:colId xmlns:a16="http://schemas.microsoft.com/office/drawing/2014/main" val="1234399600"/>
-                    </a:ext>
-                  </a:extLst>
-                </a:gridCol>
-              </a:tblGrid>
-              <a:tr h="370840">
-                <a:tc>
-                  <a:txBody>
-                    <a:bodyPr/>
-                    <a:lstStyle/>
-                    <a:p>
-                      <a:r>
-                        <a:rPr lang="en-US" sz="2600"/>
-                        <a:t>5</a:t>
-                      </a:r>
-                    </a:p>
-                  </a:txBody>
-                  <a:tcPr>
-                    <a:lnL w="12700" cap="flat" cmpd="sng" algn="ctr">
-                      <a:solidFill>
-                        <a:schemeClr val="tx1"/>
-                      </a:solidFill>
-                      <a:prstDash val="solid"/>
-                      <a:round/>
-                      <a:headEnd type="none" w="med" len="med"/>
-                      <a:tailEnd type="none" w="med" len="med"/>
-                    </a:lnL>
-                    <a:lnR w="12700" cap="flat" cmpd="sng" algn="ctr">
-                      <a:solidFill>
-                        <a:schemeClr val="tx1"/>
-                      </a:solidFill>
-                      <a:prstDash val="solid"/>
-                      <a:round/>
-                      <a:headEnd type="none" w="med" len="med"/>
-                      <a:tailEnd type="none" w="med" len="med"/>
-                    </a:lnR>
-                    <a:lnT w="12700" cap="flat" cmpd="sng" algn="ctr">
-                      <a:solidFill>
-                        <a:schemeClr val="tx1"/>
-                      </a:solidFill>
-                      <a:prstDash val="solid"/>
-                      <a:round/>
-                      <a:headEnd type="none" w="med" len="med"/>
-                      <a:tailEnd type="none" w="med" len="med"/>
-                    </a:lnT>
-                    <a:lnB w="12700" cap="flat" cmpd="sng" algn="ctr">
-                      <a:solidFill>
-                        <a:schemeClr val="tx1"/>
-                      </a:solidFill>
-                      <a:prstDash val="solid"/>
-                      <a:round/>
-                      <a:headEnd type="none" w="med" len="med"/>
-                      <a:tailEnd type="none" w="med" len="med"/>
-                    </a:lnB>
-                    <a:solidFill>
-                      <a:schemeClr val="bg1"/>
-                    </a:solidFill>
-                  </a:tcPr>
-                </a:tc>
-                <a:extLst>
-                  <a:ext uri="{0D108BD9-81ED-4DB2-BD59-A6C34878D82A}">
-                    <a16:rowId xmlns:a16="http://schemas.microsoft.com/office/drawing/2014/main" val="140790062"/>
-                  </a:ext>
-                </a:extLst>
-              </a:tr>
-              <a:tr h="370840">
-                <a:tc>
-                  <a:txBody>
-                    <a:bodyPr/>
-                    <a:lstStyle/>
-                    <a:p>
-                      <a:r>
-                        <a:rPr lang="en-US" sz="2600"/>
-                        <a:t>6</a:t>
-                      </a:r>
-                    </a:p>
-                  </a:txBody>
-                  <a:tcPr>
-                    <a:lnL w="12700" cap="flat" cmpd="sng" algn="ctr">
-                      <a:solidFill>
-                        <a:schemeClr val="tx1"/>
-                      </a:solidFill>
-                      <a:prstDash val="solid"/>
-                      <a:round/>
-                      <a:headEnd type="none" w="med" len="med"/>
-                      <a:tailEnd type="none" w="med" len="med"/>
-                    </a:lnL>
-                    <a:lnR w="12700" cap="flat" cmpd="sng" algn="ctr">
-                      <a:solidFill>
-                        <a:schemeClr val="tx1"/>
-                      </a:solidFill>
-                      <a:prstDash val="solid"/>
-                      <a:round/>
-                      <a:headEnd type="none" w="med" len="med"/>
-                      <a:tailEnd type="none" w="med" len="med"/>
-                    </a:lnR>
-                    <a:lnT w="12700" cap="flat" cmpd="sng" algn="ctr">
-                      <a:solidFill>
-                        <a:schemeClr val="tx1"/>
-                      </a:solidFill>
-                      <a:prstDash val="solid"/>
-                      <a:round/>
-                      <a:headEnd type="none" w="med" len="med"/>
-                      <a:tailEnd type="none" w="med" len="med"/>
-                    </a:lnT>
-                    <a:lnB w="12700" cap="flat" cmpd="sng" algn="ctr">
-                      <a:solidFill>
-                        <a:schemeClr val="tx1"/>
-                      </a:solidFill>
-                      <a:prstDash val="solid"/>
-                      <a:round/>
-                      <a:headEnd type="none" w="med" len="med"/>
-                      <a:tailEnd type="none" w="med" len="med"/>
-                    </a:lnB>
-                    <a:solidFill>
-                      <a:schemeClr val="bg1"/>
-                    </a:solidFill>
-                  </a:tcPr>
-                </a:tc>
-                <a:extLst>
-                  <a:ext uri="{0D108BD9-81ED-4DB2-BD59-A6C34878D82A}">
-                    <a16:rowId xmlns:a16="http://schemas.microsoft.com/office/drawing/2014/main" val="2051485560"/>
-                  </a:ext>
-                </a:extLst>
-              </a:tr>
-              <a:tr h="370840">
-                <a:tc>
-                  <a:txBody>
-                    <a:bodyPr/>
-                    <a:lstStyle/>
-                    <a:p>
-                      <a:r>
-                        <a:rPr lang="en-US" sz="2600" b="1"/>
-                        <a:t>RAM</a:t>
-                      </a:r>
-                    </a:p>
-                  </a:txBody>
-                  <a:tcPr>
-                    <a:lnL w="12700" cap="flat" cmpd="sng" algn="ctr">
-                      <a:solidFill>
-                        <a:schemeClr val="tx1"/>
-                      </a:solidFill>
-                      <a:prstDash val="solid"/>
-                      <a:round/>
-                      <a:headEnd type="none" w="med" len="med"/>
-                      <a:tailEnd type="none" w="med" len="med"/>
-                    </a:lnL>
-                    <a:lnR w="12700" cap="flat" cmpd="sng" algn="ctr">
-                      <a:solidFill>
-                        <a:schemeClr val="tx1"/>
-                      </a:solidFill>
-                      <a:prstDash val="solid"/>
-                      <a:round/>
-                      <a:headEnd type="none" w="med" len="med"/>
-                      <a:tailEnd type="none" w="med" len="med"/>
-                    </a:lnR>
-                    <a:lnT w="12700" cap="flat" cmpd="sng" algn="ctr">
-                      <a:solidFill>
-                        <a:schemeClr val="tx1"/>
-                      </a:solidFill>
-                      <a:prstDash val="solid"/>
-                      <a:round/>
-                      <a:headEnd type="none" w="med" len="med"/>
-                      <a:tailEnd type="none" w="med" len="med"/>
-                    </a:lnT>
-                    <a:lnB w="12700" cap="flat" cmpd="sng" algn="ctr">
-                      <a:solidFill>
-                        <a:schemeClr val="tx1"/>
-                      </a:solidFill>
-                      <a:prstDash val="solid"/>
-                      <a:round/>
-                      <a:headEnd type="none" w="med" len="med"/>
-                      <a:tailEnd type="none" w="med" len="med"/>
-                    </a:lnB>
-                    <a:solidFill>
-                      <a:schemeClr val="bg1"/>
-                    </a:solidFill>
-                  </a:tcPr>
-                </a:tc>
-                <a:extLst>
-                  <a:ext uri="{0D108BD9-81ED-4DB2-BD59-A6C34878D82A}">
-                    <a16:rowId xmlns:a16="http://schemas.microsoft.com/office/drawing/2014/main" val="3385658485"/>
-                  </a:ext>
-                </a:extLst>
-              </a:tr>
-            </a:tbl>
-          </a:graphicData>
-        </a:graphic>
-      </p:graphicFrame>
-      <p:cxnSp>
-        <p:nvCxnSpPr>
-          <p:cNvPr id="8" name="Straight Arrow Connector 7"/>
-          <p:cNvCxnSpPr/>
-          <p:nvPr/>
-        </p:nvCxnSpPr>
-        <p:spPr>
-          <a:xfrm flipH="1">
-            <a:off x="6396445" y="3135086"/>
-            <a:ext cx="1519646" cy="13063"/>
-          </a:xfrm>
-          <a:prstGeom prst="straightConnector1">
-            <a:avLst/>
-          </a:prstGeom>
-          <a:ln>
-            <a:solidFill>
-              <a:schemeClr val="tx1"/>
-            </a:solidFill>
-            <a:tailEnd type="triangle"/>
-          </a:ln>
-        </p:spPr>
-        <p:style>
-          <a:lnRef idx="1">
-            <a:schemeClr val="accent1"/>
-          </a:lnRef>
-          <a:fillRef idx="0">
-            <a:schemeClr val="accent1"/>
-          </a:fillRef>
-          <a:effectRef idx="0">
-            <a:schemeClr val="accent1"/>
-          </a:effectRef>
-          <a:fontRef idx="minor">
-            <a:schemeClr val="tx1"/>
-          </a:fontRef>
-        </p:style>
-      </p:cxnSp>
-      <p:cxnSp>
-        <p:nvCxnSpPr>
-          <p:cNvPr id="13" name="Elbow Connector 12"/>
-          <p:cNvCxnSpPr>
-            <a:endCxn id="4" idx="0"/>
-          </p:cNvCxnSpPr>
-          <p:nvPr/>
-        </p:nvCxnSpPr>
-        <p:spPr>
-          <a:xfrm rot="10800000" flipV="1">
-            <a:off x="1823357" y="2573382"/>
-            <a:ext cx="6092737" cy="315392"/>
-          </a:xfrm>
-          <a:prstGeom prst="bentConnector2">
-            <a:avLst/>
-          </a:prstGeom>
-          <a:ln>
-            <a:tailEnd type="triangle"/>
-          </a:ln>
-        </p:spPr>
-        <p:style>
-          <a:lnRef idx="1">
-            <a:schemeClr val="dk1"/>
-          </a:lnRef>
-          <a:fillRef idx="0">
-            <a:schemeClr val="dk1"/>
-          </a:fillRef>
-          <a:effectRef idx="0">
-            <a:schemeClr val="dk1"/>
-          </a:effectRef>
-          <a:fontRef idx="minor">
-            <a:schemeClr val="tx1"/>
-          </a:fontRef>
-        </p:style>
-      </p:cxnSp>
-      <p:sp>
-        <p:nvSpPr>
-          <p:cNvPr id="15" name="Content Placeholder 2"/>
-          <p:cNvSpPr txBox="1">
-            <a:spLocks/>
-          </p:cNvSpPr>
-          <p:nvPr/>
-        </p:nvSpPr>
-        <p:spPr>
-          <a:xfrm>
-            <a:off x="7916092" y="2468879"/>
-            <a:ext cx="2009503" cy="793773"/>
-          </a:xfrm>
-          <a:prstGeom prst="rect">
-            <a:avLst/>
-          </a:prstGeom>
-        </p:spPr>
-        <p:style>
-          <a:lnRef idx="2">
-            <a:schemeClr val="dk1"/>
-          </a:lnRef>
-          <a:fillRef idx="1">
-            <a:schemeClr val="lt1"/>
-          </a:fillRef>
-          <a:effectRef idx="0">
-            <a:schemeClr val="dk1"/>
-          </a:effectRef>
-          <a:fontRef idx="minor">
-            <a:schemeClr val="dk1"/>
-          </a:fontRef>
-        </p:style>
-        <p:txBody>
-          <a:bodyPr vert="horz" lIns="91440" tIns="45720" rIns="91440" bIns="45720" rtlCol="0" anchor="ctr">
-            <a:noAutofit/>
-          </a:bodyPr>
-          <a:lstStyle>
-            <a:lvl1pPr marL="228600" indent="-228600" algn="l" defTabSz="914400" rtl="0" eaLnBrk="1" latinLnBrk="0" hangingPunct="1">
-              <a:lnSpc>
-                <a:spcPct val="90000"/>
-              </a:lnSpc>
-              <a:spcBef>
-                <a:spcPts val="1000"/>
-              </a:spcBef>
-              <a:buFont typeface="Arial" panose="020B0604020202020204" pitchFamily="34" charset="0"/>
-              <a:buChar char="•"/>
-              <a:defRPr sz="2800" kern="1200">
-                <a:solidFill>
-                  <a:schemeClr val="tx1"/>
-                </a:solidFill>
-                <a:latin typeface="+mn-lt"/>
-                <a:ea typeface="+mn-ea"/>
-                <a:cs typeface="+mn-cs"/>
-              </a:defRPr>
-            </a:lvl1pPr>
-            <a:lvl2pPr marL="685800" indent="-228600" algn="l" defTabSz="914400" rtl="0" eaLnBrk="1" latinLnBrk="0" hangingPunct="1">
-              <a:lnSpc>
-                <a:spcPct val="90000"/>
-              </a:lnSpc>
-              <a:spcBef>
-                <a:spcPts val="500"/>
-              </a:spcBef>
-              <a:buFont typeface="Arial" panose="020B0604020202020204" pitchFamily="34" charset="0"/>
-              <a:buChar char="•"/>
-              <a:defRPr sz="2400" kern="1200">
-                <a:solidFill>
-                  <a:schemeClr val="tx1"/>
-                </a:solidFill>
-                <a:latin typeface="+mn-lt"/>
-                <a:ea typeface="+mn-ea"/>
-                <a:cs typeface="+mn-cs"/>
-              </a:defRPr>
-            </a:lvl2pPr>
-            <a:lvl3pPr marL="1143000" indent="-228600" algn="l" defTabSz="914400" rtl="0" eaLnBrk="1" latinLnBrk="0" hangingPunct="1">
-              <a:lnSpc>
-                <a:spcPct val="90000"/>
-              </a:lnSpc>
-              <a:spcBef>
-                <a:spcPts val="500"/>
-              </a:spcBef>
-              <a:buFont typeface="Arial" panose="020B0604020202020204" pitchFamily="34" charset="0"/>
-              <a:buChar char="•"/>
-              <a:defRPr sz="2000" kern="1200">
-                <a:solidFill>
-                  <a:schemeClr val="tx1"/>
-                </a:solidFill>
-                <a:latin typeface="+mn-lt"/>
-                <a:ea typeface="+mn-ea"/>
-                <a:cs typeface="+mn-cs"/>
-              </a:defRPr>
-            </a:lvl3pPr>
-            <a:lvl4pPr marL="1600200" indent="-228600" algn="l" defTabSz="914400" rtl="0" eaLnBrk="1" latinLnBrk="0" hangingPunct="1">
-              <a:lnSpc>
-                <a:spcPct val="90000"/>
-              </a:lnSpc>
-              <a:spcBef>
-                <a:spcPts val="500"/>
-              </a:spcBef>
-              <a:buFont typeface="Arial" panose="020B0604020202020204" pitchFamily="34" charset="0"/>
-              <a:buChar char="•"/>
-              <a:defRPr sz="1800" kern="1200">
-                <a:solidFill>
-                  <a:schemeClr val="tx1"/>
-                </a:solidFill>
-                <a:latin typeface="+mn-lt"/>
-                <a:ea typeface="+mn-ea"/>
-                <a:cs typeface="+mn-cs"/>
-              </a:defRPr>
-            </a:lvl4pPr>
-            <a:lvl5pPr marL="2057400" indent="-228600" algn="l" defTabSz="914400" rtl="0" eaLnBrk="1" latinLnBrk="0" hangingPunct="1">
-              <a:lnSpc>
-                <a:spcPct val="90000"/>
-              </a:lnSpc>
-              <a:spcBef>
-                <a:spcPts val="500"/>
-              </a:spcBef>
-              <a:buFont typeface="Arial" panose="020B0604020202020204" pitchFamily="34" charset="0"/>
-              <a:buChar char="•"/>
-              <a:defRPr sz="1800" kern="1200">
-                <a:solidFill>
-                  <a:schemeClr val="tx1"/>
-                </a:solidFill>
-                <a:latin typeface="+mn-lt"/>
-                <a:ea typeface="+mn-ea"/>
-                <a:cs typeface="+mn-cs"/>
-              </a:defRPr>
-            </a:lvl5pPr>
-            <a:lvl6pPr marL="2514600" indent="-228600" algn="l" defTabSz="914400" rtl="0" eaLnBrk="1" latinLnBrk="0" hangingPunct="1">
-              <a:lnSpc>
-                <a:spcPct val="90000"/>
-              </a:lnSpc>
-              <a:spcBef>
-                <a:spcPts val="500"/>
-              </a:spcBef>
-              <a:buFont typeface="Arial" panose="020B0604020202020204" pitchFamily="34" charset="0"/>
-              <a:buChar char="•"/>
-              <a:defRPr sz="1800" kern="1200">
-                <a:solidFill>
-                  <a:schemeClr val="tx1"/>
-                </a:solidFill>
-                <a:latin typeface="+mn-lt"/>
-                <a:ea typeface="+mn-ea"/>
-                <a:cs typeface="+mn-cs"/>
-              </a:defRPr>
-            </a:lvl6pPr>
-            <a:lvl7pPr marL="2971800" indent="-228600" algn="l" defTabSz="914400" rtl="0" eaLnBrk="1" latinLnBrk="0" hangingPunct="1">
-              <a:lnSpc>
-                <a:spcPct val="90000"/>
-              </a:lnSpc>
-              <a:spcBef>
-                <a:spcPts val="500"/>
-              </a:spcBef>
-              <a:buFont typeface="Arial" panose="020B0604020202020204" pitchFamily="34" charset="0"/>
-              <a:buChar char="•"/>
-              <a:defRPr sz="1800" kern="1200">
-                <a:solidFill>
-                  <a:schemeClr val="tx1"/>
-                </a:solidFill>
-                <a:latin typeface="+mn-lt"/>
-                <a:ea typeface="+mn-ea"/>
-                <a:cs typeface="+mn-cs"/>
-              </a:defRPr>
-            </a:lvl7pPr>
-            <a:lvl8pPr marL="3429000" indent="-228600" algn="l" defTabSz="914400" rtl="0" eaLnBrk="1" latinLnBrk="0" hangingPunct="1">
-              <a:lnSpc>
-                <a:spcPct val="90000"/>
-              </a:lnSpc>
-              <a:spcBef>
-                <a:spcPts val="500"/>
-              </a:spcBef>
-              <a:buFont typeface="Arial" panose="020B0604020202020204" pitchFamily="34" charset="0"/>
-              <a:buChar char="•"/>
-              <a:defRPr sz="1800" kern="1200">
-                <a:solidFill>
-                  <a:schemeClr val="tx1"/>
-                </a:solidFill>
-                <a:latin typeface="+mn-lt"/>
-                <a:ea typeface="+mn-ea"/>
-                <a:cs typeface="+mn-cs"/>
-              </a:defRPr>
-            </a:lvl8pPr>
-            <a:lvl9pPr marL="3886200" indent="-228600" algn="l" defTabSz="914400" rtl="0" eaLnBrk="1" latinLnBrk="0" hangingPunct="1">
-              <a:lnSpc>
-                <a:spcPct val="90000"/>
-              </a:lnSpc>
-              <a:spcBef>
-                <a:spcPts val="500"/>
-              </a:spcBef>
-              <a:buFont typeface="Arial" panose="020B0604020202020204" pitchFamily="34" charset="0"/>
-              <a:buChar char="•"/>
-              <a:defRPr sz="1800" kern="1200">
-                <a:solidFill>
-                  <a:schemeClr val="tx1"/>
-                </a:solidFill>
-                <a:latin typeface="+mn-lt"/>
-                <a:ea typeface="+mn-ea"/>
-                <a:cs typeface="+mn-cs"/>
-              </a:defRPr>
-            </a:lvl9pPr>
-          </a:lstStyle>
-          <a:p>
-            <a:pPr marL="0" indent="0" algn="ctr">
-              <a:lnSpc>
-                <a:spcPct val="100000"/>
-              </a:lnSpc>
+              <a:rPr lang="en-VN"/>
+              <a:t>+ Từ khoá auto.</a:t>
+            </a:r>
+          </a:p>
+          <a:p>
+            <a:pPr marL="0" indent="0">
               <a:buNone/>
             </a:pPr>
             <a:r>
-              <a:rPr lang="en-US"/>
-              <a:t>Initialization</a:t>
-            </a:r>
-          </a:p>
-        </p:txBody>
-      </p:sp>
-      <p:cxnSp>
-        <p:nvCxnSpPr>
-          <p:cNvPr id="19" name="Straight Arrow Connector 18"/>
-          <p:cNvCxnSpPr/>
-          <p:nvPr/>
-        </p:nvCxnSpPr>
-        <p:spPr>
-          <a:xfrm>
-            <a:off x="2677885" y="3135086"/>
-            <a:ext cx="2009503" cy="0"/>
-          </a:xfrm>
-          <a:prstGeom prst="straightConnector1">
-            <a:avLst/>
-          </a:prstGeom>
-          <a:ln w="38100">
-            <a:solidFill>
-              <a:schemeClr val="tx1"/>
-            </a:solidFill>
-            <a:tailEnd type="triangle"/>
-          </a:ln>
-        </p:spPr>
-        <p:style>
-          <a:lnRef idx="1">
-            <a:schemeClr val="accent1"/>
-          </a:lnRef>
-          <a:fillRef idx="0">
-            <a:schemeClr val="accent1"/>
-          </a:fillRef>
-          <a:effectRef idx="0">
-            <a:schemeClr val="accent1"/>
-          </a:effectRef>
-          <a:fontRef idx="minor">
-            <a:schemeClr val="tx1"/>
-          </a:fontRef>
-        </p:style>
-      </p:cxnSp>
-      <p:sp>
-        <p:nvSpPr>
-          <p:cNvPr id="23" name="Content Placeholder 2"/>
-          <p:cNvSpPr txBox="1">
-            <a:spLocks/>
-          </p:cNvSpPr>
-          <p:nvPr/>
-        </p:nvSpPr>
-        <p:spPr>
-          <a:xfrm>
-            <a:off x="7916092" y="4294868"/>
-            <a:ext cx="2009503" cy="793773"/>
-          </a:xfrm>
-          <a:prstGeom prst="rect">
-            <a:avLst/>
-          </a:prstGeom>
-        </p:spPr>
-        <p:style>
-          <a:lnRef idx="2">
-            <a:schemeClr val="dk1"/>
-          </a:lnRef>
-          <a:fillRef idx="1">
-            <a:schemeClr val="lt1"/>
-          </a:fillRef>
-          <a:effectRef idx="0">
-            <a:schemeClr val="dk1"/>
-          </a:effectRef>
-          <a:fontRef idx="minor">
-            <a:schemeClr val="dk1"/>
-          </a:fontRef>
-        </p:style>
-        <p:txBody>
-          <a:bodyPr vert="horz" lIns="91440" tIns="45720" rIns="91440" bIns="45720" rtlCol="0" anchor="ctr">
-            <a:noAutofit/>
-          </a:bodyPr>
-          <a:lstStyle>
-            <a:lvl1pPr marL="228600" indent="-228600" algn="l" defTabSz="914400" rtl="0" eaLnBrk="1" latinLnBrk="0" hangingPunct="1">
-              <a:lnSpc>
-                <a:spcPct val="90000"/>
-              </a:lnSpc>
-              <a:spcBef>
-                <a:spcPts val="1000"/>
-              </a:spcBef>
-              <a:buFont typeface="Arial" panose="020B0604020202020204" pitchFamily="34" charset="0"/>
-              <a:buChar char="•"/>
-              <a:defRPr sz="2800" kern="1200">
-                <a:solidFill>
-                  <a:schemeClr val="tx1"/>
-                </a:solidFill>
-                <a:latin typeface="+mn-lt"/>
-                <a:ea typeface="+mn-ea"/>
-                <a:cs typeface="+mn-cs"/>
-              </a:defRPr>
-            </a:lvl1pPr>
-            <a:lvl2pPr marL="685800" indent="-228600" algn="l" defTabSz="914400" rtl="0" eaLnBrk="1" latinLnBrk="0" hangingPunct="1">
-              <a:lnSpc>
-                <a:spcPct val="90000"/>
-              </a:lnSpc>
-              <a:spcBef>
-                <a:spcPts val="500"/>
-              </a:spcBef>
-              <a:buFont typeface="Arial" panose="020B0604020202020204" pitchFamily="34" charset="0"/>
-              <a:buChar char="•"/>
-              <a:defRPr sz="2400" kern="1200">
-                <a:solidFill>
-                  <a:schemeClr val="tx1"/>
-                </a:solidFill>
-                <a:latin typeface="+mn-lt"/>
-                <a:ea typeface="+mn-ea"/>
-                <a:cs typeface="+mn-cs"/>
-              </a:defRPr>
-            </a:lvl2pPr>
-            <a:lvl3pPr marL="1143000" indent="-228600" algn="l" defTabSz="914400" rtl="0" eaLnBrk="1" latinLnBrk="0" hangingPunct="1">
-              <a:lnSpc>
-                <a:spcPct val="90000"/>
-              </a:lnSpc>
-              <a:spcBef>
-                <a:spcPts val="500"/>
-              </a:spcBef>
-              <a:buFont typeface="Arial" panose="020B0604020202020204" pitchFamily="34" charset="0"/>
-              <a:buChar char="•"/>
-              <a:defRPr sz="2000" kern="1200">
-                <a:solidFill>
-                  <a:schemeClr val="tx1"/>
-                </a:solidFill>
-                <a:latin typeface="+mn-lt"/>
-                <a:ea typeface="+mn-ea"/>
-                <a:cs typeface="+mn-cs"/>
-              </a:defRPr>
-            </a:lvl3pPr>
-            <a:lvl4pPr marL="1600200" indent="-228600" algn="l" defTabSz="914400" rtl="0" eaLnBrk="1" latinLnBrk="0" hangingPunct="1">
-              <a:lnSpc>
-                <a:spcPct val="90000"/>
-              </a:lnSpc>
-              <a:spcBef>
-                <a:spcPts val="500"/>
-              </a:spcBef>
-              <a:buFont typeface="Arial" panose="020B0604020202020204" pitchFamily="34" charset="0"/>
-              <a:buChar char="•"/>
-              <a:defRPr sz="1800" kern="1200">
-                <a:solidFill>
-                  <a:schemeClr val="tx1"/>
-                </a:solidFill>
-                <a:latin typeface="+mn-lt"/>
-                <a:ea typeface="+mn-ea"/>
-                <a:cs typeface="+mn-cs"/>
-              </a:defRPr>
-            </a:lvl4pPr>
-            <a:lvl5pPr marL="2057400" indent="-228600" algn="l" defTabSz="914400" rtl="0" eaLnBrk="1" latinLnBrk="0" hangingPunct="1">
-              <a:lnSpc>
-                <a:spcPct val="90000"/>
-              </a:lnSpc>
-              <a:spcBef>
-                <a:spcPts val="500"/>
-              </a:spcBef>
-              <a:buFont typeface="Arial" panose="020B0604020202020204" pitchFamily="34" charset="0"/>
-              <a:buChar char="•"/>
-              <a:defRPr sz="1800" kern="1200">
-                <a:solidFill>
-                  <a:schemeClr val="tx1"/>
-                </a:solidFill>
-                <a:latin typeface="+mn-lt"/>
-                <a:ea typeface="+mn-ea"/>
-                <a:cs typeface="+mn-cs"/>
-              </a:defRPr>
-            </a:lvl5pPr>
-            <a:lvl6pPr marL="2514600" indent="-228600" algn="l" defTabSz="914400" rtl="0" eaLnBrk="1" latinLnBrk="0" hangingPunct="1">
-              <a:lnSpc>
-                <a:spcPct val="90000"/>
-              </a:lnSpc>
-              <a:spcBef>
-                <a:spcPts val="500"/>
-              </a:spcBef>
-              <a:buFont typeface="Arial" panose="020B0604020202020204" pitchFamily="34" charset="0"/>
-              <a:buChar char="•"/>
-              <a:defRPr sz="1800" kern="1200">
-                <a:solidFill>
-                  <a:schemeClr val="tx1"/>
-                </a:solidFill>
-                <a:latin typeface="+mn-lt"/>
-                <a:ea typeface="+mn-ea"/>
-                <a:cs typeface="+mn-cs"/>
-              </a:defRPr>
-            </a:lvl6pPr>
-            <a:lvl7pPr marL="2971800" indent="-228600" algn="l" defTabSz="914400" rtl="0" eaLnBrk="1" latinLnBrk="0" hangingPunct="1">
-              <a:lnSpc>
-                <a:spcPct val="90000"/>
-              </a:lnSpc>
-              <a:spcBef>
-                <a:spcPts val="500"/>
-              </a:spcBef>
-              <a:buFont typeface="Arial" panose="020B0604020202020204" pitchFamily="34" charset="0"/>
-              <a:buChar char="•"/>
-              <a:defRPr sz="1800" kern="1200">
-                <a:solidFill>
-                  <a:schemeClr val="tx1"/>
-                </a:solidFill>
-                <a:latin typeface="+mn-lt"/>
-                <a:ea typeface="+mn-ea"/>
-                <a:cs typeface="+mn-cs"/>
-              </a:defRPr>
-            </a:lvl7pPr>
-            <a:lvl8pPr marL="3429000" indent="-228600" algn="l" defTabSz="914400" rtl="0" eaLnBrk="1" latinLnBrk="0" hangingPunct="1">
-              <a:lnSpc>
-                <a:spcPct val="90000"/>
-              </a:lnSpc>
-              <a:spcBef>
-                <a:spcPts val="500"/>
-              </a:spcBef>
-              <a:buFont typeface="Arial" panose="020B0604020202020204" pitchFamily="34" charset="0"/>
-              <a:buChar char="•"/>
-              <a:defRPr sz="1800" kern="1200">
-                <a:solidFill>
-                  <a:schemeClr val="tx1"/>
-                </a:solidFill>
-                <a:latin typeface="+mn-lt"/>
-                <a:ea typeface="+mn-ea"/>
-                <a:cs typeface="+mn-cs"/>
-              </a:defRPr>
-            </a:lvl8pPr>
-            <a:lvl9pPr marL="3886200" indent="-228600" algn="l" defTabSz="914400" rtl="0" eaLnBrk="1" latinLnBrk="0" hangingPunct="1">
-              <a:lnSpc>
-                <a:spcPct val="90000"/>
-              </a:lnSpc>
-              <a:spcBef>
-                <a:spcPts val="500"/>
-              </a:spcBef>
-              <a:buFont typeface="Arial" panose="020B0604020202020204" pitchFamily="34" charset="0"/>
-              <a:buChar char="•"/>
-              <a:defRPr sz="1800" kern="1200">
-                <a:solidFill>
-                  <a:schemeClr val="tx1"/>
-                </a:solidFill>
-                <a:latin typeface="+mn-lt"/>
-                <a:ea typeface="+mn-ea"/>
-                <a:cs typeface="+mn-cs"/>
-              </a:defRPr>
-            </a:lvl9pPr>
-          </a:lstStyle>
-          <a:p>
-            <a:pPr marL="0" indent="0" algn="ctr">
-              <a:lnSpc>
-                <a:spcPct val="100000"/>
-              </a:lnSpc>
+              <a:rPr lang="en-VN"/>
+              <a:t>+ Đối tượng vector&lt;&gt; để tạo kiểu dữ liệu 1 chiều, hoặc vector&lt;vector&lt;&gt;&gt; để tạo kiểu dữ liệu 2 chiều.</a:t>
+            </a:r>
+          </a:p>
+          <a:p>
+            <a:pPr marL="0" indent="0">
               <a:buNone/>
             </a:pPr>
             <a:r>
-              <a:rPr lang="en-US"/>
-              <a:t>Reference</a:t>
-            </a:r>
-          </a:p>
-        </p:txBody>
-      </p:sp>
-      <p:cxnSp>
-        <p:nvCxnSpPr>
-          <p:cNvPr id="24" name="Elbow Connector 23"/>
-          <p:cNvCxnSpPr>
-            <a:stCxn id="23" idx="1"/>
-          </p:cNvCxnSpPr>
-          <p:nvPr/>
-        </p:nvCxnSpPr>
-        <p:spPr>
-          <a:xfrm rot="10800000">
-            <a:off x="4386942" y="3135087"/>
-            <a:ext cx="3529150" cy="1556669"/>
-          </a:xfrm>
-          <a:prstGeom prst="bentConnector3">
-            <a:avLst>
-              <a:gd name="adj1" fmla="val 99969"/>
-            </a:avLst>
-          </a:prstGeom>
-          <a:ln>
-            <a:tailEnd type="triangle"/>
-          </a:ln>
-        </p:spPr>
-        <p:style>
-          <a:lnRef idx="1">
-            <a:schemeClr val="dk1"/>
-          </a:lnRef>
-          <a:fillRef idx="0">
-            <a:schemeClr val="dk1"/>
-          </a:fillRef>
-          <a:effectRef idx="0">
-            <a:schemeClr val="dk1"/>
-          </a:effectRef>
-          <a:fontRef idx="minor">
-            <a:schemeClr val="tx1"/>
-          </a:fontRef>
-        </p:style>
-      </p:cxnSp>
-      <p:sp>
-        <p:nvSpPr>
-          <p:cNvPr id="31" name="Content Placeholder 2"/>
-          <p:cNvSpPr txBox="1">
-            <a:spLocks/>
-          </p:cNvSpPr>
-          <p:nvPr/>
-        </p:nvSpPr>
-        <p:spPr>
-          <a:xfrm>
-            <a:off x="968828" y="4976213"/>
-            <a:ext cx="7260772" cy="1411524"/>
-          </a:xfrm>
-          <a:prstGeom prst="rect">
-            <a:avLst/>
-          </a:prstGeom>
-        </p:spPr>
-        <p:txBody>
-          <a:bodyPr vert="horz" lIns="91440" tIns="45720" rIns="91440" bIns="45720" rtlCol="0">
-            <a:normAutofit/>
-          </a:bodyPr>
-          <a:lstStyle>
-            <a:lvl1pPr marL="228600" indent="-228600" algn="l" defTabSz="914400" rtl="0" eaLnBrk="1" latinLnBrk="0" hangingPunct="1">
-              <a:lnSpc>
-                <a:spcPct val="90000"/>
-              </a:lnSpc>
-              <a:spcBef>
-                <a:spcPts val="1000"/>
-              </a:spcBef>
-              <a:buFont typeface="Arial" panose="020B0604020202020204" pitchFamily="34" charset="0"/>
-              <a:buChar char="•"/>
-              <a:defRPr sz="2800" kern="1200">
-                <a:solidFill>
-                  <a:schemeClr val="tx1"/>
-                </a:solidFill>
-                <a:latin typeface="+mn-lt"/>
-                <a:ea typeface="+mn-ea"/>
-                <a:cs typeface="+mn-cs"/>
-              </a:defRPr>
-            </a:lvl1pPr>
-            <a:lvl2pPr marL="685800" indent="-228600" algn="l" defTabSz="914400" rtl="0" eaLnBrk="1" latinLnBrk="0" hangingPunct="1">
-              <a:lnSpc>
-                <a:spcPct val="90000"/>
-              </a:lnSpc>
-              <a:spcBef>
-                <a:spcPts val="500"/>
-              </a:spcBef>
-              <a:buFont typeface="Arial" panose="020B0604020202020204" pitchFamily="34" charset="0"/>
-              <a:buChar char="•"/>
-              <a:defRPr sz="2400" kern="1200">
-                <a:solidFill>
-                  <a:schemeClr val="tx1"/>
-                </a:solidFill>
-                <a:latin typeface="+mn-lt"/>
-                <a:ea typeface="+mn-ea"/>
-                <a:cs typeface="+mn-cs"/>
-              </a:defRPr>
-            </a:lvl2pPr>
-            <a:lvl3pPr marL="1143000" indent="-228600" algn="l" defTabSz="914400" rtl="0" eaLnBrk="1" latinLnBrk="0" hangingPunct="1">
-              <a:lnSpc>
-                <a:spcPct val="90000"/>
-              </a:lnSpc>
-              <a:spcBef>
-                <a:spcPts val="500"/>
-              </a:spcBef>
-              <a:buFont typeface="Arial" panose="020B0604020202020204" pitchFamily="34" charset="0"/>
-              <a:buChar char="•"/>
-              <a:defRPr sz="2000" kern="1200">
-                <a:solidFill>
-                  <a:schemeClr val="tx1"/>
-                </a:solidFill>
-                <a:latin typeface="+mn-lt"/>
-                <a:ea typeface="+mn-ea"/>
-                <a:cs typeface="+mn-cs"/>
-              </a:defRPr>
-            </a:lvl3pPr>
-            <a:lvl4pPr marL="1600200" indent="-228600" algn="l" defTabSz="914400" rtl="0" eaLnBrk="1" latinLnBrk="0" hangingPunct="1">
-              <a:lnSpc>
-                <a:spcPct val="90000"/>
-              </a:lnSpc>
-              <a:spcBef>
-                <a:spcPts val="500"/>
-              </a:spcBef>
-              <a:buFont typeface="Arial" panose="020B0604020202020204" pitchFamily="34" charset="0"/>
-              <a:buChar char="•"/>
-              <a:defRPr sz="1800" kern="1200">
-                <a:solidFill>
-                  <a:schemeClr val="tx1"/>
-                </a:solidFill>
-                <a:latin typeface="+mn-lt"/>
-                <a:ea typeface="+mn-ea"/>
-                <a:cs typeface="+mn-cs"/>
-              </a:defRPr>
-            </a:lvl4pPr>
-            <a:lvl5pPr marL="2057400" indent="-228600" algn="l" defTabSz="914400" rtl="0" eaLnBrk="1" latinLnBrk="0" hangingPunct="1">
-              <a:lnSpc>
-                <a:spcPct val="90000"/>
-              </a:lnSpc>
-              <a:spcBef>
-                <a:spcPts val="500"/>
-              </a:spcBef>
-              <a:buFont typeface="Arial" panose="020B0604020202020204" pitchFamily="34" charset="0"/>
-              <a:buChar char="•"/>
-              <a:defRPr sz="1800" kern="1200">
-                <a:solidFill>
-                  <a:schemeClr val="tx1"/>
-                </a:solidFill>
-                <a:latin typeface="+mn-lt"/>
-                <a:ea typeface="+mn-ea"/>
-                <a:cs typeface="+mn-cs"/>
-              </a:defRPr>
-            </a:lvl5pPr>
-            <a:lvl6pPr marL="2514600" indent="-228600" algn="l" defTabSz="914400" rtl="0" eaLnBrk="1" latinLnBrk="0" hangingPunct="1">
-              <a:lnSpc>
-                <a:spcPct val="90000"/>
-              </a:lnSpc>
-              <a:spcBef>
-                <a:spcPts val="500"/>
-              </a:spcBef>
-              <a:buFont typeface="Arial" panose="020B0604020202020204" pitchFamily="34" charset="0"/>
-              <a:buChar char="•"/>
-              <a:defRPr sz="1800" kern="1200">
-                <a:solidFill>
-                  <a:schemeClr val="tx1"/>
-                </a:solidFill>
-                <a:latin typeface="+mn-lt"/>
-                <a:ea typeface="+mn-ea"/>
-                <a:cs typeface="+mn-cs"/>
-              </a:defRPr>
-            </a:lvl6pPr>
-            <a:lvl7pPr marL="2971800" indent="-228600" algn="l" defTabSz="914400" rtl="0" eaLnBrk="1" latinLnBrk="0" hangingPunct="1">
-              <a:lnSpc>
-                <a:spcPct val="90000"/>
-              </a:lnSpc>
-              <a:spcBef>
-                <a:spcPts val="500"/>
-              </a:spcBef>
-              <a:buFont typeface="Arial" panose="020B0604020202020204" pitchFamily="34" charset="0"/>
-              <a:buChar char="•"/>
-              <a:defRPr sz="1800" kern="1200">
-                <a:solidFill>
-                  <a:schemeClr val="tx1"/>
-                </a:solidFill>
-                <a:latin typeface="+mn-lt"/>
-                <a:ea typeface="+mn-ea"/>
-                <a:cs typeface="+mn-cs"/>
-              </a:defRPr>
-            </a:lvl7pPr>
-            <a:lvl8pPr marL="3429000" indent="-228600" algn="l" defTabSz="914400" rtl="0" eaLnBrk="1" latinLnBrk="0" hangingPunct="1">
-              <a:lnSpc>
-                <a:spcPct val="90000"/>
-              </a:lnSpc>
-              <a:spcBef>
-                <a:spcPts val="500"/>
-              </a:spcBef>
-              <a:buFont typeface="Arial" panose="020B0604020202020204" pitchFamily="34" charset="0"/>
-              <a:buChar char="•"/>
-              <a:defRPr sz="1800" kern="1200">
-                <a:solidFill>
-                  <a:schemeClr val="tx1"/>
-                </a:solidFill>
-                <a:latin typeface="+mn-lt"/>
-                <a:ea typeface="+mn-ea"/>
-                <a:cs typeface="+mn-cs"/>
-              </a:defRPr>
-            </a:lvl8pPr>
-            <a:lvl9pPr marL="3886200" indent="-228600" algn="l" defTabSz="914400" rtl="0" eaLnBrk="1" latinLnBrk="0" hangingPunct="1">
-              <a:lnSpc>
-                <a:spcPct val="90000"/>
-              </a:lnSpc>
-              <a:spcBef>
-                <a:spcPts val="500"/>
-              </a:spcBef>
-              <a:buFont typeface="Arial" panose="020B0604020202020204" pitchFamily="34" charset="0"/>
-              <a:buChar char="•"/>
-              <a:defRPr sz="1800" kern="1200">
-                <a:solidFill>
-                  <a:schemeClr val="tx1"/>
-                </a:solidFill>
-                <a:latin typeface="+mn-lt"/>
-                <a:ea typeface="+mn-ea"/>
-                <a:cs typeface="+mn-cs"/>
-              </a:defRPr>
-            </a:lvl9pPr>
-          </a:lstStyle>
-          <a:p>
-            <a:pPr marL="0" indent="0">
-              <a:buFont typeface="Arial" panose="020B0604020202020204" pitchFamily="34" charset="0"/>
-              <a:buNone/>
-            </a:pPr>
-            <a:r>
-              <a:rPr lang="en-US"/>
-              <a:t>int a = 5;</a:t>
-            </a:r>
-          </a:p>
-          <a:p>
-            <a:pPr marL="0" indent="0">
-              <a:buFont typeface="Arial" panose="020B0604020202020204" pitchFamily="34" charset="0"/>
-              <a:buNone/>
-            </a:pPr>
-            <a:r>
-              <a:rPr lang="en-US"/>
-              <a:t>int b = 6;</a:t>
-            </a:r>
-          </a:p>
-        </p:txBody>
-      </p:sp>
-      <p:sp>
-        <p:nvSpPr>
-          <p:cNvPr id="6" name="Slide Number Placeholder 5">
+              <a:rPr lang="en-VN"/>
+              <a:t>+ CTDL stack, queue, tree, hashmap, …</a:t>
+            </a:r>
+          </a:p>
+        </p:txBody>
+      </p:sp>
+      <p:sp>
+        <p:nvSpPr>
+          <p:cNvPr id="4" name="Slide Number Placeholder 3">
             <a:extLst>
               <a:ext uri="{FF2B5EF4-FFF2-40B4-BE49-F238E27FC236}">
-                <a16:creationId xmlns:a16="http://schemas.microsoft.com/office/drawing/2014/main" id="{613E713D-21CE-D808-E519-5A160F5B1BBD}"/>
+                <a16:creationId xmlns:a16="http://schemas.microsoft.com/office/drawing/2014/main" id="{CE27A83D-8964-2019-7D8B-8AD866667413}"/>
               </a:ext>
             </a:extLst>
           </p:cNvPr>
@@ -9315,1443 +7160,7 @@
     </p:spTree>
     <p:extLst>
       <p:ext uri="{BB962C8B-B14F-4D97-AF65-F5344CB8AC3E}">
-        <p14:creationId xmlns:p14="http://schemas.microsoft.com/office/powerpoint/2010/main" val="70677321"/>
-      </p:ext>
-    </p:extLst>
-  </p:cSld>
-  <p:clrMapOvr>
-    <a:masterClrMapping/>
-  </p:clrMapOvr>
-</p:sld>
-</file>
-
-<file path=ppt/slides/slide9.xml><?xml version="1.0" encoding="utf-8"?>
-<p:sld xmlns:a="http://schemas.openxmlformats.org/drawingml/2006/main" xmlns:r="http://schemas.openxmlformats.org/officeDocument/2006/relationships" xmlns:p="http://schemas.openxmlformats.org/presentationml/2006/main">
-  <p:cSld>
-    <p:spTree>
-      <p:nvGrpSpPr>
-        <p:cNvPr id="1" name=""/>
-        <p:cNvGrpSpPr/>
-        <p:nvPr/>
-      </p:nvGrpSpPr>
-      <p:grpSpPr>
-        <a:xfrm>
-          <a:off x="0" y="0"/>
-          <a:ext cx="0" cy="0"/>
-          <a:chOff x="0" y="0"/>
-          <a:chExt cx="0" cy="0"/>
-        </a:xfrm>
-      </p:grpSpPr>
-      <p:sp>
-        <p:nvSpPr>
-          <p:cNvPr id="2" name="Title 1"/>
-          <p:cNvSpPr>
-            <a:spLocks noGrp="1"/>
-          </p:cNvSpPr>
-          <p:nvPr>
-            <p:ph type="title"/>
-          </p:nvPr>
-        </p:nvSpPr>
-        <p:spPr/>
-        <p:txBody>
-          <a:bodyPr/>
-          <a:lstStyle/>
-          <a:p>
-            <a:r>
-              <a:rPr lang="en-US"/>
-              <a:t>1.2. Tham chiếu &amp; Tham trị</a:t>
-            </a:r>
-          </a:p>
-        </p:txBody>
-      </p:sp>
-      <p:sp>
-        <p:nvSpPr>
-          <p:cNvPr id="3" name="Content Placeholder 2"/>
-          <p:cNvSpPr>
-            <a:spLocks noGrp="1"/>
-          </p:cNvSpPr>
-          <p:nvPr>
-            <p:ph idx="1"/>
-          </p:nvPr>
-        </p:nvSpPr>
-        <p:spPr>
-          <a:xfrm>
-            <a:off x="968828" y="1825625"/>
-            <a:ext cx="7260772" cy="747758"/>
-          </a:xfrm>
-        </p:spPr>
-        <p:txBody>
-          <a:bodyPr>
-            <a:normAutofit/>
-          </a:bodyPr>
-          <a:lstStyle/>
-          <a:p>
-            <a:pPr marL="0" indent="0">
-              <a:buNone/>
-            </a:pPr>
-            <a:r>
-              <a:rPr lang="en-US"/>
-              <a:t>Shallow copy (tham trị)</a:t>
-            </a:r>
-          </a:p>
-        </p:txBody>
-      </p:sp>
-      <p:graphicFrame>
-        <p:nvGraphicFramePr>
-          <p:cNvPr id="4" name="Table 3"/>
-          <p:cNvGraphicFramePr>
-            <a:graphicFrameLocks noGrp="1"/>
-          </p:cNvGraphicFramePr>
-          <p:nvPr/>
-        </p:nvGraphicFramePr>
-        <p:xfrm>
-          <a:off x="968828" y="2888774"/>
-          <a:ext cx="1709057" cy="1463040"/>
-        </p:xfrm>
-        <a:graphic>
-          <a:graphicData uri="http://schemas.openxmlformats.org/drawingml/2006/table">
-            <a:tbl>
-              <a:tblPr>
-                <a:tableStyleId>{5C22544A-7EE6-4342-B048-85BDC9FD1C3A}</a:tableStyleId>
-              </a:tblPr>
-              <a:tblGrid>
-                <a:gridCol w="1709057">
-                  <a:extLst>
-                    <a:ext uri="{9D8B030D-6E8A-4147-A177-3AD203B41FA5}">
-                      <a16:colId xmlns:a16="http://schemas.microsoft.com/office/drawing/2014/main" val="1234399600"/>
-                    </a:ext>
-                  </a:extLst>
-                </a:gridCol>
-              </a:tblGrid>
-              <a:tr h="370840">
-                <a:tc>
-                  <a:txBody>
-                    <a:bodyPr/>
-                    <a:lstStyle/>
-                    <a:p>
-                      <a:r>
-                        <a:rPr lang="en-US" sz="2600"/>
-                        <a:t>int a</a:t>
-                      </a:r>
-                    </a:p>
-                  </a:txBody>
-                  <a:tcPr>
-                    <a:lnL w="12700" cap="flat" cmpd="sng" algn="ctr">
-                      <a:solidFill>
-                        <a:schemeClr val="tx1"/>
-                      </a:solidFill>
-                      <a:prstDash val="solid"/>
-                      <a:round/>
-                      <a:headEnd type="none" w="med" len="med"/>
-                      <a:tailEnd type="none" w="med" len="med"/>
-                    </a:lnL>
-                    <a:lnR w="12700" cap="flat" cmpd="sng" algn="ctr">
-                      <a:solidFill>
-                        <a:schemeClr val="tx1"/>
-                      </a:solidFill>
-                      <a:prstDash val="solid"/>
-                      <a:round/>
-                      <a:headEnd type="none" w="med" len="med"/>
-                      <a:tailEnd type="none" w="med" len="med"/>
-                    </a:lnR>
-                    <a:lnT w="12700" cap="flat" cmpd="sng" algn="ctr">
-                      <a:solidFill>
-                        <a:schemeClr val="tx1"/>
-                      </a:solidFill>
-                      <a:prstDash val="solid"/>
-                      <a:round/>
-                      <a:headEnd type="none" w="med" len="med"/>
-                      <a:tailEnd type="none" w="med" len="med"/>
-                    </a:lnT>
-                    <a:lnB w="12700" cap="flat" cmpd="sng" algn="ctr">
-                      <a:solidFill>
-                        <a:schemeClr val="tx1"/>
-                      </a:solidFill>
-                      <a:prstDash val="solid"/>
-                      <a:round/>
-                      <a:headEnd type="none" w="med" len="med"/>
-                      <a:tailEnd type="none" w="med" len="med"/>
-                    </a:lnB>
-                    <a:solidFill>
-                      <a:schemeClr val="bg1"/>
-                    </a:solidFill>
-                  </a:tcPr>
-                </a:tc>
-                <a:extLst>
-                  <a:ext uri="{0D108BD9-81ED-4DB2-BD59-A6C34878D82A}">
-                    <a16:rowId xmlns:a16="http://schemas.microsoft.com/office/drawing/2014/main" val="140790062"/>
-                  </a:ext>
-                </a:extLst>
-              </a:tr>
-              <a:tr h="370840">
-                <a:tc>
-                  <a:txBody>
-                    <a:bodyPr/>
-                    <a:lstStyle/>
-                    <a:p>
-                      <a:r>
-                        <a:rPr lang="en-US" sz="2600"/>
-                        <a:t>int b</a:t>
-                      </a:r>
-                    </a:p>
-                  </a:txBody>
-                  <a:tcPr>
-                    <a:lnL w="12700" cap="flat" cmpd="sng" algn="ctr">
-                      <a:solidFill>
-                        <a:schemeClr val="tx1"/>
-                      </a:solidFill>
-                      <a:prstDash val="solid"/>
-                      <a:round/>
-                      <a:headEnd type="none" w="med" len="med"/>
-                      <a:tailEnd type="none" w="med" len="med"/>
-                    </a:lnL>
-                    <a:lnR w="12700" cap="flat" cmpd="sng" algn="ctr">
-                      <a:solidFill>
-                        <a:schemeClr val="tx1"/>
-                      </a:solidFill>
-                      <a:prstDash val="solid"/>
-                      <a:round/>
-                      <a:headEnd type="none" w="med" len="med"/>
-                      <a:tailEnd type="none" w="med" len="med"/>
-                    </a:lnR>
-                    <a:lnT w="12700" cap="flat" cmpd="sng" algn="ctr">
-                      <a:solidFill>
-                        <a:schemeClr val="tx1"/>
-                      </a:solidFill>
-                      <a:prstDash val="solid"/>
-                      <a:round/>
-                      <a:headEnd type="none" w="med" len="med"/>
-                      <a:tailEnd type="none" w="med" len="med"/>
-                    </a:lnT>
-                    <a:lnB w="12700" cap="flat" cmpd="sng" algn="ctr">
-                      <a:solidFill>
-                        <a:schemeClr val="tx1"/>
-                      </a:solidFill>
-                      <a:prstDash val="solid"/>
-                      <a:round/>
-                      <a:headEnd type="none" w="med" len="med"/>
-                      <a:tailEnd type="none" w="med" len="med"/>
-                    </a:lnB>
-                    <a:solidFill>
-                      <a:schemeClr val="bg1"/>
-                    </a:solidFill>
-                  </a:tcPr>
-                </a:tc>
-                <a:extLst>
-                  <a:ext uri="{0D108BD9-81ED-4DB2-BD59-A6C34878D82A}">
-                    <a16:rowId xmlns:a16="http://schemas.microsoft.com/office/drawing/2014/main" val="2051485560"/>
-                  </a:ext>
-                </a:extLst>
-              </a:tr>
-              <a:tr h="370840">
-                <a:tc>
-                  <a:txBody>
-                    <a:bodyPr/>
-                    <a:lstStyle/>
-                    <a:p>
-                      <a:r>
-                        <a:rPr lang="en-US" sz="2600" b="1"/>
-                        <a:t>RAM</a:t>
-                      </a:r>
-                    </a:p>
-                  </a:txBody>
-                  <a:tcPr>
-                    <a:lnL w="12700" cap="flat" cmpd="sng" algn="ctr">
-                      <a:solidFill>
-                        <a:schemeClr val="tx1"/>
-                      </a:solidFill>
-                      <a:prstDash val="solid"/>
-                      <a:round/>
-                      <a:headEnd type="none" w="med" len="med"/>
-                      <a:tailEnd type="none" w="med" len="med"/>
-                    </a:lnL>
-                    <a:lnR w="12700" cap="flat" cmpd="sng" algn="ctr">
-                      <a:solidFill>
-                        <a:schemeClr val="tx1"/>
-                      </a:solidFill>
-                      <a:prstDash val="solid"/>
-                      <a:round/>
-                      <a:headEnd type="none" w="med" len="med"/>
-                      <a:tailEnd type="none" w="med" len="med"/>
-                    </a:lnR>
-                    <a:lnT w="12700" cap="flat" cmpd="sng" algn="ctr">
-                      <a:solidFill>
-                        <a:schemeClr val="tx1"/>
-                      </a:solidFill>
-                      <a:prstDash val="solid"/>
-                      <a:round/>
-                      <a:headEnd type="none" w="med" len="med"/>
-                      <a:tailEnd type="none" w="med" len="med"/>
-                    </a:lnT>
-                    <a:lnB w="12700" cap="flat" cmpd="sng" algn="ctr">
-                      <a:solidFill>
-                        <a:schemeClr val="tx1"/>
-                      </a:solidFill>
-                      <a:prstDash val="solid"/>
-                      <a:round/>
-                      <a:headEnd type="none" w="med" len="med"/>
-                      <a:tailEnd type="none" w="med" len="med"/>
-                    </a:lnB>
-                    <a:solidFill>
-                      <a:schemeClr val="bg1"/>
-                    </a:solidFill>
-                  </a:tcPr>
-                </a:tc>
-                <a:extLst>
-                  <a:ext uri="{0D108BD9-81ED-4DB2-BD59-A6C34878D82A}">
-                    <a16:rowId xmlns:a16="http://schemas.microsoft.com/office/drawing/2014/main" val="3385658485"/>
-                  </a:ext>
-                </a:extLst>
-              </a:tr>
-            </a:tbl>
-          </a:graphicData>
-        </a:graphic>
-      </p:graphicFrame>
-      <p:graphicFrame>
-        <p:nvGraphicFramePr>
-          <p:cNvPr id="5" name="Table 4"/>
-          <p:cNvGraphicFramePr>
-            <a:graphicFrameLocks noGrp="1"/>
-          </p:cNvGraphicFramePr>
-          <p:nvPr/>
-        </p:nvGraphicFramePr>
-        <p:xfrm>
-          <a:off x="4687388" y="2888774"/>
-          <a:ext cx="1709057" cy="1463040"/>
-        </p:xfrm>
-        <a:graphic>
-          <a:graphicData uri="http://schemas.openxmlformats.org/drawingml/2006/table">
-            <a:tbl>
-              <a:tblPr>
-                <a:tableStyleId>{5C22544A-7EE6-4342-B048-85BDC9FD1C3A}</a:tableStyleId>
-              </a:tblPr>
-              <a:tblGrid>
-                <a:gridCol w="1709057">
-                  <a:extLst>
-                    <a:ext uri="{9D8B030D-6E8A-4147-A177-3AD203B41FA5}">
-                      <a16:colId xmlns:a16="http://schemas.microsoft.com/office/drawing/2014/main" val="1234399600"/>
-                    </a:ext>
-                  </a:extLst>
-                </a:gridCol>
-              </a:tblGrid>
-              <a:tr h="370840">
-                <a:tc>
-                  <a:txBody>
-                    <a:bodyPr/>
-                    <a:lstStyle/>
-                    <a:p>
-                      <a:r>
-                        <a:rPr lang="en-US" sz="2600"/>
-                        <a:t>5</a:t>
-                      </a:r>
-                    </a:p>
-                  </a:txBody>
-                  <a:tcPr>
-                    <a:lnL w="12700" cap="flat" cmpd="sng" algn="ctr">
-                      <a:solidFill>
-                        <a:schemeClr val="tx1"/>
-                      </a:solidFill>
-                      <a:prstDash val="solid"/>
-                      <a:round/>
-                      <a:headEnd type="none" w="med" len="med"/>
-                      <a:tailEnd type="none" w="med" len="med"/>
-                    </a:lnL>
-                    <a:lnR w="12700" cap="flat" cmpd="sng" algn="ctr">
-                      <a:solidFill>
-                        <a:schemeClr val="tx1"/>
-                      </a:solidFill>
-                      <a:prstDash val="solid"/>
-                      <a:round/>
-                      <a:headEnd type="none" w="med" len="med"/>
-                      <a:tailEnd type="none" w="med" len="med"/>
-                    </a:lnR>
-                    <a:lnT w="12700" cap="flat" cmpd="sng" algn="ctr">
-                      <a:solidFill>
-                        <a:schemeClr val="tx1"/>
-                      </a:solidFill>
-                      <a:prstDash val="solid"/>
-                      <a:round/>
-                      <a:headEnd type="none" w="med" len="med"/>
-                      <a:tailEnd type="none" w="med" len="med"/>
-                    </a:lnT>
-                    <a:lnB w="12700" cap="flat" cmpd="sng" algn="ctr">
-                      <a:solidFill>
-                        <a:schemeClr val="tx1"/>
-                      </a:solidFill>
-                      <a:prstDash val="solid"/>
-                      <a:round/>
-                      <a:headEnd type="none" w="med" len="med"/>
-                      <a:tailEnd type="none" w="med" len="med"/>
-                    </a:lnB>
-                    <a:solidFill>
-                      <a:schemeClr val="bg1"/>
-                    </a:solidFill>
-                  </a:tcPr>
-                </a:tc>
-                <a:extLst>
-                  <a:ext uri="{0D108BD9-81ED-4DB2-BD59-A6C34878D82A}">
-                    <a16:rowId xmlns:a16="http://schemas.microsoft.com/office/drawing/2014/main" val="140790062"/>
-                  </a:ext>
-                </a:extLst>
-              </a:tr>
-              <a:tr h="370840">
-                <a:tc>
-                  <a:txBody>
-                    <a:bodyPr/>
-                    <a:lstStyle/>
-                    <a:p>
-                      <a:r>
-                        <a:rPr lang="en-US" sz="2600"/>
-                        <a:t>5</a:t>
-                      </a:r>
-                    </a:p>
-                  </a:txBody>
-                  <a:tcPr>
-                    <a:lnL w="12700" cap="flat" cmpd="sng" algn="ctr">
-                      <a:solidFill>
-                        <a:schemeClr val="tx1"/>
-                      </a:solidFill>
-                      <a:prstDash val="solid"/>
-                      <a:round/>
-                      <a:headEnd type="none" w="med" len="med"/>
-                      <a:tailEnd type="none" w="med" len="med"/>
-                    </a:lnL>
-                    <a:lnR w="12700" cap="flat" cmpd="sng" algn="ctr">
-                      <a:solidFill>
-                        <a:schemeClr val="tx1"/>
-                      </a:solidFill>
-                      <a:prstDash val="solid"/>
-                      <a:round/>
-                      <a:headEnd type="none" w="med" len="med"/>
-                      <a:tailEnd type="none" w="med" len="med"/>
-                    </a:lnR>
-                    <a:lnT w="12700" cap="flat" cmpd="sng" algn="ctr">
-                      <a:solidFill>
-                        <a:schemeClr val="tx1"/>
-                      </a:solidFill>
-                      <a:prstDash val="solid"/>
-                      <a:round/>
-                      <a:headEnd type="none" w="med" len="med"/>
-                      <a:tailEnd type="none" w="med" len="med"/>
-                    </a:lnT>
-                    <a:lnB w="12700" cap="flat" cmpd="sng" algn="ctr">
-                      <a:solidFill>
-                        <a:schemeClr val="tx1"/>
-                      </a:solidFill>
-                      <a:prstDash val="solid"/>
-                      <a:round/>
-                      <a:headEnd type="none" w="med" len="med"/>
-                      <a:tailEnd type="none" w="med" len="med"/>
-                    </a:lnB>
-                    <a:solidFill>
-                      <a:schemeClr val="bg1"/>
-                    </a:solidFill>
-                  </a:tcPr>
-                </a:tc>
-                <a:extLst>
-                  <a:ext uri="{0D108BD9-81ED-4DB2-BD59-A6C34878D82A}">
-                    <a16:rowId xmlns:a16="http://schemas.microsoft.com/office/drawing/2014/main" val="2051485560"/>
-                  </a:ext>
-                </a:extLst>
-              </a:tr>
-              <a:tr h="370840">
-                <a:tc>
-                  <a:txBody>
-                    <a:bodyPr/>
-                    <a:lstStyle/>
-                    <a:p>
-                      <a:r>
-                        <a:rPr lang="en-US" sz="2600" b="1"/>
-                        <a:t>RAM</a:t>
-                      </a:r>
-                    </a:p>
-                  </a:txBody>
-                  <a:tcPr>
-                    <a:lnL w="12700" cap="flat" cmpd="sng" algn="ctr">
-                      <a:solidFill>
-                        <a:schemeClr val="tx1"/>
-                      </a:solidFill>
-                      <a:prstDash val="solid"/>
-                      <a:round/>
-                      <a:headEnd type="none" w="med" len="med"/>
-                      <a:tailEnd type="none" w="med" len="med"/>
-                    </a:lnL>
-                    <a:lnR w="12700" cap="flat" cmpd="sng" algn="ctr">
-                      <a:solidFill>
-                        <a:schemeClr val="tx1"/>
-                      </a:solidFill>
-                      <a:prstDash val="solid"/>
-                      <a:round/>
-                      <a:headEnd type="none" w="med" len="med"/>
-                      <a:tailEnd type="none" w="med" len="med"/>
-                    </a:lnR>
-                    <a:lnT w="12700" cap="flat" cmpd="sng" algn="ctr">
-                      <a:solidFill>
-                        <a:schemeClr val="tx1"/>
-                      </a:solidFill>
-                      <a:prstDash val="solid"/>
-                      <a:round/>
-                      <a:headEnd type="none" w="med" len="med"/>
-                      <a:tailEnd type="none" w="med" len="med"/>
-                    </a:lnT>
-                    <a:lnB w="12700" cap="flat" cmpd="sng" algn="ctr">
-                      <a:solidFill>
-                        <a:schemeClr val="tx1"/>
-                      </a:solidFill>
-                      <a:prstDash val="solid"/>
-                      <a:round/>
-                      <a:headEnd type="none" w="med" len="med"/>
-                      <a:tailEnd type="none" w="med" len="med"/>
-                    </a:lnB>
-                    <a:solidFill>
-                      <a:schemeClr val="bg1"/>
-                    </a:solidFill>
-                  </a:tcPr>
-                </a:tc>
-                <a:extLst>
-                  <a:ext uri="{0D108BD9-81ED-4DB2-BD59-A6C34878D82A}">
-                    <a16:rowId xmlns:a16="http://schemas.microsoft.com/office/drawing/2014/main" val="3385658485"/>
-                  </a:ext>
-                </a:extLst>
-              </a:tr>
-            </a:tbl>
-          </a:graphicData>
-        </a:graphic>
-      </p:graphicFrame>
-      <p:cxnSp>
-        <p:nvCxnSpPr>
-          <p:cNvPr id="8" name="Straight Arrow Connector 7"/>
-          <p:cNvCxnSpPr/>
-          <p:nvPr/>
-        </p:nvCxnSpPr>
-        <p:spPr>
-          <a:xfrm flipH="1">
-            <a:off x="6396445" y="3135086"/>
-            <a:ext cx="1519646" cy="13063"/>
-          </a:xfrm>
-          <a:prstGeom prst="straightConnector1">
-            <a:avLst/>
-          </a:prstGeom>
-          <a:ln>
-            <a:solidFill>
-              <a:schemeClr val="tx1"/>
-            </a:solidFill>
-            <a:tailEnd type="triangle"/>
-          </a:ln>
-        </p:spPr>
-        <p:style>
-          <a:lnRef idx="1">
-            <a:schemeClr val="accent1"/>
-          </a:lnRef>
-          <a:fillRef idx="0">
-            <a:schemeClr val="accent1"/>
-          </a:fillRef>
-          <a:effectRef idx="0">
-            <a:schemeClr val="accent1"/>
-          </a:effectRef>
-          <a:fontRef idx="minor">
-            <a:schemeClr val="tx1"/>
-          </a:fontRef>
-        </p:style>
-      </p:cxnSp>
-      <p:cxnSp>
-        <p:nvCxnSpPr>
-          <p:cNvPr id="13" name="Elbow Connector 12"/>
-          <p:cNvCxnSpPr>
-            <a:endCxn id="4" idx="0"/>
-          </p:cNvCxnSpPr>
-          <p:nvPr/>
-        </p:nvCxnSpPr>
-        <p:spPr>
-          <a:xfrm rot="10800000" flipV="1">
-            <a:off x="1823357" y="2573382"/>
-            <a:ext cx="6092737" cy="315392"/>
-          </a:xfrm>
-          <a:prstGeom prst="bentConnector2">
-            <a:avLst/>
-          </a:prstGeom>
-          <a:ln>
-            <a:tailEnd type="triangle"/>
-          </a:ln>
-        </p:spPr>
-        <p:style>
-          <a:lnRef idx="1">
-            <a:schemeClr val="dk1"/>
-          </a:lnRef>
-          <a:fillRef idx="0">
-            <a:schemeClr val="dk1"/>
-          </a:fillRef>
-          <a:effectRef idx="0">
-            <a:schemeClr val="dk1"/>
-          </a:effectRef>
-          <a:fontRef idx="minor">
-            <a:schemeClr val="tx1"/>
-          </a:fontRef>
-        </p:style>
-      </p:cxnSp>
-      <p:sp>
-        <p:nvSpPr>
-          <p:cNvPr id="15" name="Content Placeholder 2"/>
-          <p:cNvSpPr txBox="1">
-            <a:spLocks/>
-          </p:cNvSpPr>
-          <p:nvPr/>
-        </p:nvSpPr>
-        <p:spPr>
-          <a:xfrm>
-            <a:off x="7916092" y="2468879"/>
-            <a:ext cx="2009503" cy="793773"/>
-          </a:xfrm>
-          <a:prstGeom prst="rect">
-            <a:avLst/>
-          </a:prstGeom>
-        </p:spPr>
-        <p:style>
-          <a:lnRef idx="2">
-            <a:schemeClr val="dk1"/>
-          </a:lnRef>
-          <a:fillRef idx="1">
-            <a:schemeClr val="lt1"/>
-          </a:fillRef>
-          <a:effectRef idx="0">
-            <a:schemeClr val="dk1"/>
-          </a:effectRef>
-          <a:fontRef idx="minor">
-            <a:schemeClr val="dk1"/>
-          </a:fontRef>
-        </p:style>
-        <p:txBody>
-          <a:bodyPr vert="horz" lIns="91440" tIns="45720" rIns="91440" bIns="45720" rtlCol="0" anchor="ctr">
-            <a:noAutofit/>
-          </a:bodyPr>
-          <a:lstStyle>
-            <a:lvl1pPr marL="228600" indent="-228600" algn="l" defTabSz="914400" rtl="0" eaLnBrk="1" latinLnBrk="0" hangingPunct="1">
-              <a:lnSpc>
-                <a:spcPct val="90000"/>
-              </a:lnSpc>
-              <a:spcBef>
-                <a:spcPts val="1000"/>
-              </a:spcBef>
-              <a:buFont typeface="Arial" panose="020B0604020202020204" pitchFamily="34" charset="0"/>
-              <a:buChar char="•"/>
-              <a:defRPr sz="2800" kern="1200">
-                <a:solidFill>
-                  <a:schemeClr val="tx1"/>
-                </a:solidFill>
-                <a:latin typeface="+mn-lt"/>
-                <a:ea typeface="+mn-ea"/>
-                <a:cs typeface="+mn-cs"/>
-              </a:defRPr>
-            </a:lvl1pPr>
-            <a:lvl2pPr marL="685800" indent="-228600" algn="l" defTabSz="914400" rtl="0" eaLnBrk="1" latinLnBrk="0" hangingPunct="1">
-              <a:lnSpc>
-                <a:spcPct val="90000"/>
-              </a:lnSpc>
-              <a:spcBef>
-                <a:spcPts val="500"/>
-              </a:spcBef>
-              <a:buFont typeface="Arial" panose="020B0604020202020204" pitchFamily="34" charset="0"/>
-              <a:buChar char="•"/>
-              <a:defRPr sz="2400" kern="1200">
-                <a:solidFill>
-                  <a:schemeClr val="tx1"/>
-                </a:solidFill>
-                <a:latin typeface="+mn-lt"/>
-                <a:ea typeface="+mn-ea"/>
-                <a:cs typeface="+mn-cs"/>
-              </a:defRPr>
-            </a:lvl2pPr>
-            <a:lvl3pPr marL="1143000" indent="-228600" algn="l" defTabSz="914400" rtl="0" eaLnBrk="1" latinLnBrk="0" hangingPunct="1">
-              <a:lnSpc>
-                <a:spcPct val="90000"/>
-              </a:lnSpc>
-              <a:spcBef>
-                <a:spcPts val="500"/>
-              </a:spcBef>
-              <a:buFont typeface="Arial" panose="020B0604020202020204" pitchFamily="34" charset="0"/>
-              <a:buChar char="•"/>
-              <a:defRPr sz="2000" kern="1200">
-                <a:solidFill>
-                  <a:schemeClr val="tx1"/>
-                </a:solidFill>
-                <a:latin typeface="+mn-lt"/>
-                <a:ea typeface="+mn-ea"/>
-                <a:cs typeface="+mn-cs"/>
-              </a:defRPr>
-            </a:lvl3pPr>
-            <a:lvl4pPr marL="1600200" indent="-228600" algn="l" defTabSz="914400" rtl="0" eaLnBrk="1" latinLnBrk="0" hangingPunct="1">
-              <a:lnSpc>
-                <a:spcPct val="90000"/>
-              </a:lnSpc>
-              <a:spcBef>
-                <a:spcPts val="500"/>
-              </a:spcBef>
-              <a:buFont typeface="Arial" panose="020B0604020202020204" pitchFamily="34" charset="0"/>
-              <a:buChar char="•"/>
-              <a:defRPr sz="1800" kern="1200">
-                <a:solidFill>
-                  <a:schemeClr val="tx1"/>
-                </a:solidFill>
-                <a:latin typeface="+mn-lt"/>
-                <a:ea typeface="+mn-ea"/>
-                <a:cs typeface="+mn-cs"/>
-              </a:defRPr>
-            </a:lvl4pPr>
-            <a:lvl5pPr marL="2057400" indent="-228600" algn="l" defTabSz="914400" rtl="0" eaLnBrk="1" latinLnBrk="0" hangingPunct="1">
-              <a:lnSpc>
-                <a:spcPct val="90000"/>
-              </a:lnSpc>
-              <a:spcBef>
-                <a:spcPts val="500"/>
-              </a:spcBef>
-              <a:buFont typeface="Arial" panose="020B0604020202020204" pitchFamily="34" charset="0"/>
-              <a:buChar char="•"/>
-              <a:defRPr sz="1800" kern="1200">
-                <a:solidFill>
-                  <a:schemeClr val="tx1"/>
-                </a:solidFill>
-                <a:latin typeface="+mn-lt"/>
-                <a:ea typeface="+mn-ea"/>
-                <a:cs typeface="+mn-cs"/>
-              </a:defRPr>
-            </a:lvl5pPr>
-            <a:lvl6pPr marL="2514600" indent="-228600" algn="l" defTabSz="914400" rtl="0" eaLnBrk="1" latinLnBrk="0" hangingPunct="1">
-              <a:lnSpc>
-                <a:spcPct val="90000"/>
-              </a:lnSpc>
-              <a:spcBef>
-                <a:spcPts val="500"/>
-              </a:spcBef>
-              <a:buFont typeface="Arial" panose="020B0604020202020204" pitchFamily="34" charset="0"/>
-              <a:buChar char="•"/>
-              <a:defRPr sz="1800" kern="1200">
-                <a:solidFill>
-                  <a:schemeClr val="tx1"/>
-                </a:solidFill>
-                <a:latin typeface="+mn-lt"/>
-                <a:ea typeface="+mn-ea"/>
-                <a:cs typeface="+mn-cs"/>
-              </a:defRPr>
-            </a:lvl6pPr>
-            <a:lvl7pPr marL="2971800" indent="-228600" algn="l" defTabSz="914400" rtl="0" eaLnBrk="1" latinLnBrk="0" hangingPunct="1">
-              <a:lnSpc>
-                <a:spcPct val="90000"/>
-              </a:lnSpc>
-              <a:spcBef>
-                <a:spcPts val="500"/>
-              </a:spcBef>
-              <a:buFont typeface="Arial" panose="020B0604020202020204" pitchFamily="34" charset="0"/>
-              <a:buChar char="•"/>
-              <a:defRPr sz="1800" kern="1200">
-                <a:solidFill>
-                  <a:schemeClr val="tx1"/>
-                </a:solidFill>
-                <a:latin typeface="+mn-lt"/>
-                <a:ea typeface="+mn-ea"/>
-                <a:cs typeface="+mn-cs"/>
-              </a:defRPr>
-            </a:lvl7pPr>
-            <a:lvl8pPr marL="3429000" indent="-228600" algn="l" defTabSz="914400" rtl="0" eaLnBrk="1" latinLnBrk="0" hangingPunct="1">
-              <a:lnSpc>
-                <a:spcPct val="90000"/>
-              </a:lnSpc>
-              <a:spcBef>
-                <a:spcPts val="500"/>
-              </a:spcBef>
-              <a:buFont typeface="Arial" panose="020B0604020202020204" pitchFamily="34" charset="0"/>
-              <a:buChar char="•"/>
-              <a:defRPr sz="1800" kern="1200">
-                <a:solidFill>
-                  <a:schemeClr val="tx1"/>
-                </a:solidFill>
-                <a:latin typeface="+mn-lt"/>
-                <a:ea typeface="+mn-ea"/>
-                <a:cs typeface="+mn-cs"/>
-              </a:defRPr>
-            </a:lvl8pPr>
-            <a:lvl9pPr marL="3886200" indent="-228600" algn="l" defTabSz="914400" rtl="0" eaLnBrk="1" latinLnBrk="0" hangingPunct="1">
-              <a:lnSpc>
-                <a:spcPct val="90000"/>
-              </a:lnSpc>
-              <a:spcBef>
-                <a:spcPts val="500"/>
-              </a:spcBef>
-              <a:buFont typeface="Arial" panose="020B0604020202020204" pitchFamily="34" charset="0"/>
-              <a:buChar char="•"/>
-              <a:defRPr sz="1800" kern="1200">
-                <a:solidFill>
-                  <a:schemeClr val="tx1"/>
-                </a:solidFill>
-                <a:latin typeface="+mn-lt"/>
-                <a:ea typeface="+mn-ea"/>
-                <a:cs typeface="+mn-cs"/>
-              </a:defRPr>
-            </a:lvl9pPr>
-          </a:lstStyle>
-          <a:p>
-            <a:pPr marL="0" indent="0" algn="ctr">
-              <a:lnSpc>
-                <a:spcPct val="100000"/>
-              </a:lnSpc>
-              <a:buNone/>
-            </a:pPr>
-            <a:r>
-              <a:rPr lang="en-US"/>
-              <a:t>Initialization</a:t>
-            </a:r>
-          </a:p>
-        </p:txBody>
-      </p:sp>
-      <p:cxnSp>
-        <p:nvCxnSpPr>
-          <p:cNvPr id="19" name="Straight Arrow Connector 18"/>
-          <p:cNvCxnSpPr/>
-          <p:nvPr/>
-        </p:nvCxnSpPr>
-        <p:spPr>
-          <a:xfrm>
-            <a:off x="2677885" y="3135086"/>
-            <a:ext cx="2009503" cy="0"/>
-          </a:xfrm>
-          <a:prstGeom prst="straightConnector1">
-            <a:avLst/>
-          </a:prstGeom>
-          <a:ln w="38100">
-            <a:solidFill>
-              <a:schemeClr val="tx1"/>
-            </a:solidFill>
-            <a:tailEnd type="triangle"/>
-          </a:ln>
-        </p:spPr>
-        <p:style>
-          <a:lnRef idx="1">
-            <a:schemeClr val="accent1"/>
-          </a:lnRef>
-          <a:fillRef idx="0">
-            <a:schemeClr val="accent1"/>
-          </a:fillRef>
-          <a:effectRef idx="0">
-            <a:schemeClr val="accent1"/>
-          </a:effectRef>
-          <a:fontRef idx="minor">
-            <a:schemeClr val="tx1"/>
-          </a:fontRef>
-        </p:style>
-      </p:cxnSp>
-      <p:sp>
-        <p:nvSpPr>
-          <p:cNvPr id="23" name="Content Placeholder 2"/>
-          <p:cNvSpPr txBox="1">
-            <a:spLocks/>
-          </p:cNvSpPr>
-          <p:nvPr/>
-        </p:nvSpPr>
-        <p:spPr>
-          <a:xfrm>
-            <a:off x="7916092" y="4294868"/>
-            <a:ext cx="2009503" cy="793773"/>
-          </a:xfrm>
-          <a:prstGeom prst="rect">
-            <a:avLst/>
-          </a:prstGeom>
-        </p:spPr>
-        <p:style>
-          <a:lnRef idx="2">
-            <a:schemeClr val="dk1"/>
-          </a:lnRef>
-          <a:fillRef idx="1">
-            <a:schemeClr val="lt1"/>
-          </a:fillRef>
-          <a:effectRef idx="0">
-            <a:schemeClr val="dk1"/>
-          </a:effectRef>
-          <a:fontRef idx="minor">
-            <a:schemeClr val="dk1"/>
-          </a:fontRef>
-        </p:style>
-        <p:txBody>
-          <a:bodyPr vert="horz" lIns="91440" tIns="45720" rIns="91440" bIns="45720" rtlCol="0" anchor="ctr">
-            <a:noAutofit/>
-          </a:bodyPr>
-          <a:lstStyle>
-            <a:lvl1pPr marL="228600" indent="-228600" algn="l" defTabSz="914400" rtl="0" eaLnBrk="1" latinLnBrk="0" hangingPunct="1">
-              <a:lnSpc>
-                <a:spcPct val="90000"/>
-              </a:lnSpc>
-              <a:spcBef>
-                <a:spcPts val="1000"/>
-              </a:spcBef>
-              <a:buFont typeface="Arial" panose="020B0604020202020204" pitchFamily="34" charset="0"/>
-              <a:buChar char="•"/>
-              <a:defRPr sz="2800" kern="1200">
-                <a:solidFill>
-                  <a:schemeClr val="tx1"/>
-                </a:solidFill>
-                <a:latin typeface="+mn-lt"/>
-                <a:ea typeface="+mn-ea"/>
-                <a:cs typeface="+mn-cs"/>
-              </a:defRPr>
-            </a:lvl1pPr>
-            <a:lvl2pPr marL="685800" indent="-228600" algn="l" defTabSz="914400" rtl="0" eaLnBrk="1" latinLnBrk="0" hangingPunct="1">
-              <a:lnSpc>
-                <a:spcPct val="90000"/>
-              </a:lnSpc>
-              <a:spcBef>
-                <a:spcPts val="500"/>
-              </a:spcBef>
-              <a:buFont typeface="Arial" panose="020B0604020202020204" pitchFamily="34" charset="0"/>
-              <a:buChar char="•"/>
-              <a:defRPr sz="2400" kern="1200">
-                <a:solidFill>
-                  <a:schemeClr val="tx1"/>
-                </a:solidFill>
-                <a:latin typeface="+mn-lt"/>
-                <a:ea typeface="+mn-ea"/>
-                <a:cs typeface="+mn-cs"/>
-              </a:defRPr>
-            </a:lvl2pPr>
-            <a:lvl3pPr marL="1143000" indent="-228600" algn="l" defTabSz="914400" rtl="0" eaLnBrk="1" latinLnBrk="0" hangingPunct="1">
-              <a:lnSpc>
-                <a:spcPct val="90000"/>
-              </a:lnSpc>
-              <a:spcBef>
-                <a:spcPts val="500"/>
-              </a:spcBef>
-              <a:buFont typeface="Arial" panose="020B0604020202020204" pitchFamily="34" charset="0"/>
-              <a:buChar char="•"/>
-              <a:defRPr sz="2000" kern="1200">
-                <a:solidFill>
-                  <a:schemeClr val="tx1"/>
-                </a:solidFill>
-                <a:latin typeface="+mn-lt"/>
-                <a:ea typeface="+mn-ea"/>
-                <a:cs typeface="+mn-cs"/>
-              </a:defRPr>
-            </a:lvl3pPr>
-            <a:lvl4pPr marL="1600200" indent="-228600" algn="l" defTabSz="914400" rtl="0" eaLnBrk="1" latinLnBrk="0" hangingPunct="1">
-              <a:lnSpc>
-                <a:spcPct val="90000"/>
-              </a:lnSpc>
-              <a:spcBef>
-                <a:spcPts val="500"/>
-              </a:spcBef>
-              <a:buFont typeface="Arial" panose="020B0604020202020204" pitchFamily="34" charset="0"/>
-              <a:buChar char="•"/>
-              <a:defRPr sz="1800" kern="1200">
-                <a:solidFill>
-                  <a:schemeClr val="tx1"/>
-                </a:solidFill>
-                <a:latin typeface="+mn-lt"/>
-                <a:ea typeface="+mn-ea"/>
-                <a:cs typeface="+mn-cs"/>
-              </a:defRPr>
-            </a:lvl4pPr>
-            <a:lvl5pPr marL="2057400" indent="-228600" algn="l" defTabSz="914400" rtl="0" eaLnBrk="1" latinLnBrk="0" hangingPunct="1">
-              <a:lnSpc>
-                <a:spcPct val="90000"/>
-              </a:lnSpc>
-              <a:spcBef>
-                <a:spcPts val="500"/>
-              </a:spcBef>
-              <a:buFont typeface="Arial" panose="020B0604020202020204" pitchFamily="34" charset="0"/>
-              <a:buChar char="•"/>
-              <a:defRPr sz="1800" kern="1200">
-                <a:solidFill>
-                  <a:schemeClr val="tx1"/>
-                </a:solidFill>
-                <a:latin typeface="+mn-lt"/>
-                <a:ea typeface="+mn-ea"/>
-                <a:cs typeface="+mn-cs"/>
-              </a:defRPr>
-            </a:lvl5pPr>
-            <a:lvl6pPr marL="2514600" indent="-228600" algn="l" defTabSz="914400" rtl="0" eaLnBrk="1" latinLnBrk="0" hangingPunct="1">
-              <a:lnSpc>
-                <a:spcPct val="90000"/>
-              </a:lnSpc>
-              <a:spcBef>
-                <a:spcPts val="500"/>
-              </a:spcBef>
-              <a:buFont typeface="Arial" panose="020B0604020202020204" pitchFamily="34" charset="0"/>
-              <a:buChar char="•"/>
-              <a:defRPr sz="1800" kern="1200">
-                <a:solidFill>
-                  <a:schemeClr val="tx1"/>
-                </a:solidFill>
-                <a:latin typeface="+mn-lt"/>
-                <a:ea typeface="+mn-ea"/>
-                <a:cs typeface="+mn-cs"/>
-              </a:defRPr>
-            </a:lvl6pPr>
-            <a:lvl7pPr marL="2971800" indent="-228600" algn="l" defTabSz="914400" rtl="0" eaLnBrk="1" latinLnBrk="0" hangingPunct="1">
-              <a:lnSpc>
-                <a:spcPct val="90000"/>
-              </a:lnSpc>
-              <a:spcBef>
-                <a:spcPts val="500"/>
-              </a:spcBef>
-              <a:buFont typeface="Arial" panose="020B0604020202020204" pitchFamily="34" charset="0"/>
-              <a:buChar char="•"/>
-              <a:defRPr sz="1800" kern="1200">
-                <a:solidFill>
-                  <a:schemeClr val="tx1"/>
-                </a:solidFill>
-                <a:latin typeface="+mn-lt"/>
-                <a:ea typeface="+mn-ea"/>
-                <a:cs typeface="+mn-cs"/>
-              </a:defRPr>
-            </a:lvl7pPr>
-            <a:lvl8pPr marL="3429000" indent="-228600" algn="l" defTabSz="914400" rtl="0" eaLnBrk="1" latinLnBrk="0" hangingPunct="1">
-              <a:lnSpc>
-                <a:spcPct val="90000"/>
-              </a:lnSpc>
-              <a:spcBef>
-                <a:spcPts val="500"/>
-              </a:spcBef>
-              <a:buFont typeface="Arial" panose="020B0604020202020204" pitchFamily="34" charset="0"/>
-              <a:buChar char="•"/>
-              <a:defRPr sz="1800" kern="1200">
-                <a:solidFill>
-                  <a:schemeClr val="tx1"/>
-                </a:solidFill>
-                <a:latin typeface="+mn-lt"/>
-                <a:ea typeface="+mn-ea"/>
-                <a:cs typeface="+mn-cs"/>
-              </a:defRPr>
-            </a:lvl8pPr>
-            <a:lvl9pPr marL="3886200" indent="-228600" algn="l" defTabSz="914400" rtl="0" eaLnBrk="1" latinLnBrk="0" hangingPunct="1">
-              <a:lnSpc>
-                <a:spcPct val="90000"/>
-              </a:lnSpc>
-              <a:spcBef>
-                <a:spcPts val="500"/>
-              </a:spcBef>
-              <a:buFont typeface="Arial" panose="020B0604020202020204" pitchFamily="34" charset="0"/>
-              <a:buChar char="•"/>
-              <a:defRPr sz="1800" kern="1200">
-                <a:solidFill>
-                  <a:schemeClr val="tx1"/>
-                </a:solidFill>
-                <a:latin typeface="+mn-lt"/>
-                <a:ea typeface="+mn-ea"/>
-                <a:cs typeface="+mn-cs"/>
-              </a:defRPr>
-            </a:lvl9pPr>
-          </a:lstStyle>
-          <a:p>
-            <a:pPr marL="0" indent="0" algn="ctr">
-              <a:lnSpc>
-                <a:spcPct val="100000"/>
-              </a:lnSpc>
-              <a:buNone/>
-            </a:pPr>
-            <a:r>
-              <a:rPr lang="en-US"/>
-              <a:t>Reference</a:t>
-            </a:r>
-          </a:p>
-        </p:txBody>
-      </p:sp>
-      <p:cxnSp>
-        <p:nvCxnSpPr>
-          <p:cNvPr id="24" name="Elbow Connector 23"/>
-          <p:cNvCxnSpPr>
-            <a:stCxn id="23" idx="1"/>
-          </p:cNvCxnSpPr>
-          <p:nvPr/>
-        </p:nvCxnSpPr>
-        <p:spPr>
-          <a:xfrm rot="10800000">
-            <a:off x="4386942" y="3135087"/>
-            <a:ext cx="3529150" cy="1556669"/>
-          </a:xfrm>
-          <a:prstGeom prst="bentConnector3">
-            <a:avLst>
-              <a:gd name="adj1" fmla="val 99969"/>
-            </a:avLst>
-          </a:prstGeom>
-          <a:ln>
-            <a:tailEnd type="triangle"/>
-          </a:ln>
-        </p:spPr>
-        <p:style>
-          <a:lnRef idx="1">
-            <a:schemeClr val="dk1"/>
-          </a:lnRef>
-          <a:fillRef idx="0">
-            <a:schemeClr val="dk1"/>
-          </a:fillRef>
-          <a:effectRef idx="0">
-            <a:schemeClr val="dk1"/>
-          </a:effectRef>
-          <a:fontRef idx="minor">
-            <a:schemeClr val="tx1"/>
-          </a:fontRef>
-        </p:style>
-      </p:cxnSp>
-      <p:sp>
-        <p:nvSpPr>
-          <p:cNvPr id="31" name="Content Placeholder 2"/>
-          <p:cNvSpPr txBox="1">
-            <a:spLocks/>
-          </p:cNvSpPr>
-          <p:nvPr/>
-        </p:nvSpPr>
-        <p:spPr>
-          <a:xfrm>
-            <a:off x="968828" y="4976213"/>
-            <a:ext cx="7260772" cy="1411524"/>
-          </a:xfrm>
-          <a:prstGeom prst="rect">
-            <a:avLst/>
-          </a:prstGeom>
-        </p:spPr>
-        <p:txBody>
-          <a:bodyPr vert="horz" lIns="91440" tIns="45720" rIns="91440" bIns="45720" rtlCol="0">
-            <a:normAutofit/>
-          </a:bodyPr>
-          <a:lstStyle>
-            <a:lvl1pPr marL="228600" indent="-228600" algn="l" defTabSz="914400" rtl="0" eaLnBrk="1" latinLnBrk="0" hangingPunct="1">
-              <a:lnSpc>
-                <a:spcPct val="90000"/>
-              </a:lnSpc>
-              <a:spcBef>
-                <a:spcPts val="1000"/>
-              </a:spcBef>
-              <a:buFont typeface="Arial" panose="020B0604020202020204" pitchFamily="34" charset="0"/>
-              <a:buChar char="•"/>
-              <a:defRPr sz="2800" kern="1200">
-                <a:solidFill>
-                  <a:schemeClr val="tx1"/>
-                </a:solidFill>
-                <a:latin typeface="+mn-lt"/>
-                <a:ea typeface="+mn-ea"/>
-                <a:cs typeface="+mn-cs"/>
-              </a:defRPr>
-            </a:lvl1pPr>
-            <a:lvl2pPr marL="685800" indent="-228600" algn="l" defTabSz="914400" rtl="0" eaLnBrk="1" latinLnBrk="0" hangingPunct="1">
-              <a:lnSpc>
-                <a:spcPct val="90000"/>
-              </a:lnSpc>
-              <a:spcBef>
-                <a:spcPts val="500"/>
-              </a:spcBef>
-              <a:buFont typeface="Arial" panose="020B0604020202020204" pitchFamily="34" charset="0"/>
-              <a:buChar char="•"/>
-              <a:defRPr sz="2400" kern="1200">
-                <a:solidFill>
-                  <a:schemeClr val="tx1"/>
-                </a:solidFill>
-                <a:latin typeface="+mn-lt"/>
-                <a:ea typeface="+mn-ea"/>
-                <a:cs typeface="+mn-cs"/>
-              </a:defRPr>
-            </a:lvl2pPr>
-            <a:lvl3pPr marL="1143000" indent="-228600" algn="l" defTabSz="914400" rtl="0" eaLnBrk="1" latinLnBrk="0" hangingPunct="1">
-              <a:lnSpc>
-                <a:spcPct val="90000"/>
-              </a:lnSpc>
-              <a:spcBef>
-                <a:spcPts val="500"/>
-              </a:spcBef>
-              <a:buFont typeface="Arial" panose="020B0604020202020204" pitchFamily="34" charset="0"/>
-              <a:buChar char="•"/>
-              <a:defRPr sz="2000" kern="1200">
-                <a:solidFill>
-                  <a:schemeClr val="tx1"/>
-                </a:solidFill>
-                <a:latin typeface="+mn-lt"/>
-                <a:ea typeface="+mn-ea"/>
-                <a:cs typeface="+mn-cs"/>
-              </a:defRPr>
-            </a:lvl3pPr>
-            <a:lvl4pPr marL="1600200" indent="-228600" algn="l" defTabSz="914400" rtl="0" eaLnBrk="1" latinLnBrk="0" hangingPunct="1">
-              <a:lnSpc>
-                <a:spcPct val="90000"/>
-              </a:lnSpc>
-              <a:spcBef>
-                <a:spcPts val="500"/>
-              </a:spcBef>
-              <a:buFont typeface="Arial" panose="020B0604020202020204" pitchFamily="34" charset="0"/>
-              <a:buChar char="•"/>
-              <a:defRPr sz="1800" kern="1200">
-                <a:solidFill>
-                  <a:schemeClr val="tx1"/>
-                </a:solidFill>
-                <a:latin typeface="+mn-lt"/>
-                <a:ea typeface="+mn-ea"/>
-                <a:cs typeface="+mn-cs"/>
-              </a:defRPr>
-            </a:lvl4pPr>
-            <a:lvl5pPr marL="2057400" indent="-228600" algn="l" defTabSz="914400" rtl="0" eaLnBrk="1" latinLnBrk="0" hangingPunct="1">
-              <a:lnSpc>
-                <a:spcPct val="90000"/>
-              </a:lnSpc>
-              <a:spcBef>
-                <a:spcPts val="500"/>
-              </a:spcBef>
-              <a:buFont typeface="Arial" panose="020B0604020202020204" pitchFamily="34" charset="0"/>
-              <a:buChar char="•"/>
-              <a:defRPr sz="1800" kern="1200">
-                <a:solidFill>
-                  <a:schemeClr val="tx1"/>
-                </a:solidFill>
-                <a:latin typeface="+mn-lt"/>
-                <a:ea typeface="+mn-ea"/>
-                <a:cs typeface="+mn-cs"/>
-              </a:defRPr>
-            </a:lvl5pPr>
-            <a:lvl6pPr marL="2514600" indent="-228600" algn="l" defTabSz="914400" rtl="0" eaLnBrk="1" latinLnBrk="0" hangingPunct="1">
-              <a:lnSpc>
-                <a:spcPct val="90000"/>
-              </a:lnSpc>
-              <a:spcBef>
-                <a:spcPts val="500"/>
-              </a:spcBef>
-              <a:buFont typeface="Arial" panose="020B0604020202020204" pitchFamily="34" charset="0"/>
-              <a:buChar char="•"/>
-              <a:defRPr sz="1800" kern="1200">
-                <a:solidFill>
-                  <a:schemeClr val="tx1"/>
-                </a:solidFill>
-                <a:latin typeface="+mn-lt"/>
-                <a:ea typeface="+mn-ea"/>
-                <a:cs typeface="+mn-cs"/>
-              </a:defRPr>
-            </a:lvl6pPr>
-            <a:lvl7pPr marL="2971800" indent="-228600" algn="l" defTabSz="914400" rtl="0" eaLnBrk="1" latinLnBrk="0" hangingPunct="1">
-              <a:lnSpc>
-                <a:spcPct val="90000"/>
-              </a:lnSpc>
-              <a:spcBef>
-                <a:spcPts val="500"/>
-              </a:spcBef>
-              <a:buFont typeface="Arial" panose="020B0604020202020204" pitchFamily="34" charset="0"/>
-              <a:buChar char="•"/>
-              <a:defRPr sz="1800" kern="1200">
-                <a:solidFill>
-                  <a:schemeClr val="tx1"/>
-                </a:solidFill>
-                <a:latin typeface="+mn-lt"/>
-                <a:ea typeface="+mn-ea"/>
-                <a:cs typeface="+mn-cs"/>
-              </a:defRPr>
-            </a:lvl7pPr>
-            <a:lvl8pPr marL="3429000" indent="-228600" algn="l" defTabSz="914400" rtl="0" eaLnBrk="1" latinLnBrk="0" hangingPunct="1">
-              <a:lnSpc>
-                <a:spcPct val="90000"/>
-              </a:lnSpc>
-              <a:spcBef>
-                <a:spcPts val="500"/>
-              </a:spcBef>
-              <a:buFont typeface="Arial" panose="020B0604020202020204" pitchFamily="34" charset="0"/>
-              <a:buChar char="•"/>
-              <a:defRPr sz="1800" kern="1200">
-                <a:solidFill>
-                  <a:schemeClr val="tx1"/>
-                </a:solidFill>
-                <a:latin typeface="+mn-lt"/>
-                <a:ea typeface="+mn-ea"/>
-                <a:cs typeface="+mn-cs"/>
-              </a:defRPr>
-            </a:lvl8pPr>
-            <a:lvl9pPr marL="3886200" indent="-228600" algn="l" defTabSz="914400" rtl="0" eaLnBrk="1" latinLnBrk="0" hangingPunct="1">
-              <a:lnSpc>
-                <a:spcPct val="90000"/>
-              </a:lnSpc>
-              <a:spcBef>
-                <a:spcPts val="500"/>
-              </a:spcBef>
-              <a:buFont typeface="Arial" panose="020B0604020202020204" pitchFamily="34" charset="0"/>
-              <a:buChar char="•"/>
-              <a:defRPr sz="1800" kern="1200">
-                <a:solidFill>
-                  <a:schemeClr val="tx1"/>
-                </a:solidFill>
-                <a:latin typeface="+mn-lt"/>
-                <a:ea typeface="+mn-ea"/>
-                <a:cs typeface="+mn-cs"/>
-              </a:defRPr>
-            </a:lvl9pPr>
-          </a:lstStyle>
-          <a:p>
-            <a:pPr marL="0" indent="0">
-              <a:buFont typeface="Arial" panose="020B0604020202020204" pitchFamily="34" charset="0"/>
-              <a:buNone/>
-            </a:pPr>
-            <a:r>
-              <a:rPr lang="en-US"/>
-              <a:t>int a = 5;</a:t>
-            </a:r>
-          </a:p>
-          <a:p>
-            <a:pPr marL="0" indent="0">
-              <a:buFont typeface="Arial" panose="020B0604020202020204" pitchFamily="34" charset="0"/>
-              <a:buNone/>
-            </a:pPr>
-            <a:r>
-              <a:rPr lang="en-US"/>
-              <a:t>int b = a;</a:t>
-            </a:r>
-          </a:p>
-        </p:txBody>
-      </p:sp>
-      <p:sp>
-        <p:nvSpPr>
-          <p:cNvPr id="6" name="Rectangle 5"/>
-          <p:cNvSpPr/>
-          <p:nvPr/>
-        </p:nvSpPr>
-        <p:spPr>
-          <a:xfrm>
-            <a:off x="838200" y="3448594"/>
-            <a:ext cx="5667103" cy="352697"/>
-          </a:xfrm>
-          <a:prstGeom prst="rect">
-            <a:avLst/>
-          </a:prstGeom>
-          <a:noFill/>
-          <a:ln w="38100">
-            <a:solidFill>
-              <a:schemeClr val="accent2"/>
-            </a:solidFill>
-          </a:ln>
-        </p:spPr>
-        <p:style>
-          <a:lnRef idx="2">
-            <a:schemeClr val="accent6"/>
-          </a:lnRef>
-          <a:fillRef idx="1">
-            <a:schemeClr val="lt1"/>
-          </a:fillRef>
-          <a:effectRef idx="0">
-            <a:schemeClr val="accent6"/>
-          </a:effectRef>
-          <a:fontRef idx="minor">
-            <a:schemeClr val="dk1"/>
-          </a:fontRef>
-        </p:style>
-        <p:txBody>
-          <a:bodyPr rtlCol="0" anchor="ctr"/>
-          <a:lstStyle/>
-          <a:p>
-            <a:pPr algn="ctr"/>
-            <a:endParaRPr lang="en-US"/>
-          </a:p>
-        </p:txBody>
-      </p:sp>
-      <p:sp>
-        <p:nvSpPr>
-          <p:cNvPr id="14" name="Rectangle 13"/>
-          <p:cNvSpPr/>
-          <p:nvPr/>
-        </p:nvSpPr>
-        <p:spPr>
-          <a:xfrm>
-            <a:off x="838200" y="5458156"/>
-            <a:ext cx="1839686" cy="582984"/>
-          </a:xfrm>
-          <a:prstGeom prst="rect">
-            <a:avLst/>
-          </a:prstGeom>
-          <a:noFill/>
-          <a:ln w="38100">
-            <a:solidFill>
-              <a:schemeClr val="accent2"/>
-            </a:solidFill>
-          </a:ln>
-        </p:spPr>
-        <p:style>
-          <a:lnRef idx="2">
-            <a:schemeClr val="accent6"/>
-          </a:lnRef>
-          <a:fillRef idx="1">
-            <a:schemeClr val="lt1"/>
-          </a:fillRef>
-          <a:effectRef idx="0">
-            <a:schemeClr val="accent6"/>
-          </a:effectRef>
-          <a:fontRef idx="minor">
-            <a:schemeClr val="dk1"/>
-          </a:fontRef>
-        </p:style>
-        <p:txBody>
-          <a:bodyPr rtlCol="0" anchor="ctr"/>
-          <a:lstStyle/>
-          <a:p>
-            <a:pPr algn="ctr"/>
-            <a:endParaRPr lang="en-US"/>
-          </a:p>
-        </p:txBody>
-      </p:sp>
-      <p:cxnSp>
-        <p:nvCxnSpPr>
-          <p:cNvPr id="16" name="Straight Arrow Connector 15"/>
-          <p:cNvCxnSpPr/>
-          <p:nvPr/>
-        </p:nvCxnSpPr>
-        <p:spPr>
-          <a:xfrm>
-            <a:off x="2677885" y="3627120"/>
-            <a:ext cx="2009503" cy="0"/>
-          </a:xfrm>
-          <a:prstGeom prst="straightConnector1">
-            <a:avLst/>
-          </a:prstGeom>
-          <a:ln w="38100">
-            <a:solidFill>
-              <a:schemeClr val="tx1"/>
-            </a:solidFill>
-            <a:tailEnd type="triangle"/>
-          </a:ln>
-        </p:spPr>
-        <p:style>
-          <a:lnRef idx="1">
-            <a:schemeClr val="accent1"/>
-          </a:lnRef>
-          <a:fillRef idx="0">
-            <a:schemeClr val="accent1"/>
-          </a:fillRef>
-          <a:effectRef idx="0">
-            <a:schemeClr val="accent1"/>
-          </a:effectRef>
-          <a:fontRef idx="minor">
-            <a:schemeClr val="tx1"/>
-          </a:fontRef>
-        </p:style>
-      </p:cxnSp>
-      <p:sp>
-        <p:nvSpPr>
-          <p:cNvPr id="7" name="Slide Number Placeholder 6">
-            <a:extLst>
-              <a:ext uri="{FF2B5EF4-FFF2-40B4-BE49-F238E27FC236}">
-                <a16:creationId xmlns:a16="http://schemas.microsoft.com/office/drawing/2014/main" id="{0B37982E-12BF-2E89-130A-9240E35DC9D9}"/>
-              </a:ext>
-            </a:extLst>
-          </p:cNvPr>
-          <p:cNvSpPr>
-            <a:spLocks noGrp="1"/>
-          </p:cNvSpPr>
-          <p:nvPr>
-            <p:ph type="sldNum" sz="quarter" idx="12"/>
-          </p:nvPr>
-        </p:nvSpPr>
-        <p:spPr/>
-        <p:txBody>
-          <a:bodyPr/>
-          <a:lstStyle/>
-          <a:p>
-            <a:fld id="{9D563E13-6253-4AA0-BAE6-80A963751161}" type="slidenum">
-              <a:rPr lang="en-US" smtClean="0"/>
-              <a:t>9</a:t>
-            </a:fld>
-            <a:endParaRPr lang="en-US"/>
-          </a:p>
-        </p:txBody>
-      </p:sp>
-    </p:spTree>
-    <p:extLst>
-      <p:ext uri="{BB962C8B-B14F-4D97-AF65-F5344CB8AC3E}">
-        <p14:creationId xmlns:p14="http://schemas.microsoft.com/office/powerpoint/2010/main" val="2643672212"/>
+        <p14:creationId xmlns:p14="http://schemas.microsoft.com/office/powerpoint/2010/main" val="3112299850"/>
       </p:ext>
     </p:extLst>
   </p:cSld>
